--- a/情報リテラシー/上久保 豪太/ヒューマンでの学生生活において学んだこと.pptx
+++ b/情報リテラシー/上久保 豪太/ヒューマンでの学生生活において学んだこと.pptx
@@ -2,7 +2,7 @@
 <file path=ppt/presentation.xml><?xml version="1.0" encoding="utf-8"?>
 <p:presentation xmlns:a="http://schemas.openxmlformats.org/drawingml/2006/main" xmlns:r="http://schemas.openxmlformats.org/officeDocument/2006/relationships" xmlns:p="http://schemas.openxmlformats.org/presentationml/2006/main" saveSubsetFonts="1">
   <p:sldMasterIdLst>
-    <p:sldMasterId id="2147483677" r:id="rId1"/>
+    <p:sldMasterId id="2147483689" r:id="rId1"/>
   </p:sldMasterIdLst>
   <p:notesMasterIdLst>
     <p:notesMasterId r:id="rId17"/>
@@ -28,10 +28,10 @@
   <p:notesSz cx="6858000" cy="9144000"/>
   <p:defaultTextStyle>
     <a:defPPr>
-      <a:defRPr lang="ja-JP"/>
+      <a:defRPr lang="en-US"/>
     </a:defPPr>
-    <a:lvl1pPr marL="0" algn="l" defTabSz="914400" rtl="0" eaLnBrk="1" latinLnBrk="0" hangingPunct="1">
-      <a:defRPr kumimoji="1" sz="1800" kern="1200">
+    <a:lvl1pPr marL="0" algn="l" defTabSz="457200" rtl="0" eaLnBrk="1" latinLnBrk="0" hangingPunct="1">
+      <a:defRPr sz="1800" kern="1200">
         <a:solidFill>
           <a:schemeClr val="tx1"/>
         </a:solidFill>
@@ -40,8 +40,8 @@
         <a:cs typeface="+mn-cs"/>
       </a:defRPr>
     </a:lvl1pPr>
-    <a:lvl2pPr marL="457200" algn="l" defTabSz="914400" rtl="0" eaLnBrk="1" latinLnBrk="0" hangingPunct="1">
-      <a:defRPr kumimoji="1" sz="1800" kern="1200">
+    <a:lvl2pPr marL="457200" algn="l" defTabSz="457200" rtl="0" eaLnBrk="1" latinLnBrk="0" hangingPunct="1">
+      <a:defRPr sz="1800" kern="1200">
         <a:solidFill>
           <a:schemeClr val="tx1"/>
         </a:solidFill>
@@ -50,8 +50,8 @@
         <a:cs typeface="+mn-cs"/>
       </a:defRPr>
     </a:lvl2pPr>
-    <a:lvl3pPr marL="914400" algn="l" defTabSz="914400" rtl="0" eaLnBrk="1" latinLnBrk="0" hangingPunct="1">
-      <a:defRPr kumimoji="1" sz="1800" kern="1200">
+    <a:lvl3pPr marL="914400" algn="l" defTabSz="457200" rtl="0" eaLnBrk="1" latinLnBrk="0" hangingPunct="1">
+      <a:defRPr sz="1800" kern="1200">
         <a:solidFill>
           <a:schemeClr val="tx1"/>
         </a:solidFill>
@@ -60,8 +60,8 @@
         <a:cs typeface="+mn-cs"/>
       </a:defRPr>
     </a:lvl3pPr>
-    <a:lvl4pPr marL="1371600" algn="l" defTabSz="914400" rtl="0" eaLnBrk="1" latinLnBrk="0" hangingPunct="1">
-      <a:defRPr kumimoji="1" sz="1800" kern="1200">
+    <a:lvl4pPr marL="1371600" algn="l" defTabSz="457200" rtl="0" eaLnBrk="1" latinLnBrk="0" hangingPunct="1">
+      <a:defRPr sz="1800" kern="1200">
         <a:solidFill>
           <a:schemeClr val="tx1"/>
         </a:solidFill>
@@ -70,8 +70,8 @@
         <a:cs typeface="+mn-cs"/>
       </a:defRPr>
     </a:lvl4pPr>
-    <a:lvl5pPr marL="1828800" algn="l" defTabSz="914400" rtl="0" eaLnBrk="1" latinLnBrk="0" hangingPunct="1">
-      <a:defRPr kumimoji="1" sz="1800" kern="1200">
+    <a:lvl5pPr marL="1828800" algn="l" defTabSz="457200" rtl="0" eaLnBrk="1" latinLnBrk="0" hangingPunct="1">
+      <a:defRPr sz="1800" kern="1200">
         <a:solidFill>
           <a:schemeClr val="tx1"/>
         </a:solidFill>
@@ -80,8 +80,8 @@
         <a:cs typeface="+mn-cs"/>
       </a:defRPr>
     </a:lvl5pPr>
-    <a:lvl6pPr marL="2286000" algn="l" defTabSz="914400" rtl="0" eaLnBrk="1" latinLnBrk="0" hangingPunct="1">
-      <a:defRPr kumimoji="1" sz="1800" kern="1200">
+    <a:lvl6pPr marL="2286000" algn="l" defTabSz="457200" rtl="0" eaLnBrk="1" latinLnBrk="0" hangingPunct="1">
+      <a:defRPr sz="1800" kern="1200">
         <a:solidFill>
           <a:schemeClr val="tx1"/>
         </a:solidFill>
@@ -90,8 +90,8 @@
         <a:cs typeface="+mn-cs"/>
       </a:defRPr>
     </a:lvl6pPr>
-    <a:lvl7pPr marL="2743200" algn="l" defTabSz="914400" rtl="0" eaLnBrk="1" latinLnBrk="0" hangingPunct="1">
-      <a:defRPr kumimoji="1" sz="1800" kern="1200">
+    <a:lvl7pPr marL="2743200" algn="l" defTabSz="457200" rtl="0" eaLnBrk="1" latinLnBrk="0" hangingPunct="1">
+      <a:defRPr sz="1800" kern="1200">
         <a:solidFill>
           <a:schemeClr val="tx1"/>
         </a:solidFill>
@@ -100,8 +100,8 @@
         <a:cs typeface="+mn-cs"/>
       </a:defRPr>
     </a:lvl7pPr>
-    <a:lvl8pPr marL="3200400" algn="l" defTabSz="914400" rtl="0" eaLnBrk="1" latinLnBrk="0" hangingPunct="1">
-      <a:defRPr kumimoji="1" sz="1800" kern="1200">
+    <a:lvl8pPr marL="3200400" algn="l" defTabSz="457200" rtl="0" eaLnBrk="1" latinLnBrk="0" hangingPunct="1">
+      <a:defRPr sz="1800" kern="1200">
         <a:solidFill>
           <a:schemeClr val="tx1"/>
         </a:solidFill>
@@ -110,8 +110,8 @@
         <a:cs typeface="+mn-cs"/>
       </a:defRPr>
     </a:lvl8pPr>
-    <a:lvl9pPr marL="3657600" algn="l" defTabSz="914400" rtl="0" eaLnBrk="1" latinLnBrk="0" hangingPunct="1">
-      <a:defRPr kumimoji="1" sz="1800" kern="1200">
+    <a:lvl9pPr marL="3657600" algn="l" defTabSz="457200" rtl="0" eaLnBrk="1" latinLnBrk="0" hangingPunct="1">
+      <a:defRPr sz="1800" kern="1200">
         <a:solidFill>
           <a:schemeClr val="tx1"/>
         </a:solidFill>
@@ -223,7 +223,7 @@
           <a:p>
             <a:fld id="{512FD019-A178-4FCD-A78C-69BFEDD186D8}" type="datetimeFigureOut">
               <a:rPr kumimoji="1" lang="ja-JP" altLang="en-US" smtClean="0"/>
-              <a:t>2021/1/15</a:t>
+              <a:t>2021/1/21</a:t>
             </a:fld>
             <a:endParaRPr kumimoji="1" lang="ja-JP" altLang="en-US"/>
           </a:p>
@@ -1899,13 +1899,7 @@
       </p:grpSpPr>
       <p:sp>
         <p:nvSpPr>
-          <p:cNvPr id="2" name="タイトル 1">
-            <a:extLst>
-              <a:ext uri="{FF2B5EF4-FFF2-40B4-BE49-F238E27FC236}">
-                <a16:creationId xmlns:a16="http://schemas.microsoft.com/office/drawing/2014/main" id="{DED4A3DE-CA79-4540-9C9C-D65E0FBBC98F}"/>
-              </a:ext>
-            </a:extLst>
-          </p:cNvPr>
+          <p:cNvPr id="2" name="Title 1"/>
           <p:cNvSpPr>
             <a:spLocks noGrp="1"/>
           </p:cNvSpPr>
@@ -1915,34 +1909,31 @@
         </p:nvSpPr>
         <p:spPr>
           <a:xfrm>
-            <a:off x="1524000" y="1122363"/>
-            <a:ext cx="9144000" cy="2387600"/>
+            <a:off x="2417779" y="802298"/>
+            <a:ext cx="8637073" cy="2541431"/>
           </a:xfrm>
         </p:spPr>
         <p:txBody>
-          <a:bodyPr anchor="b"/>
+          <a:bodyPr bIns="0" anchor="b">
+            <a:normAutofit/>
+          </a:bodyPr>
           <a:lstStyle>
-            <a:lvl1pPr algn="ctr">
-              <a:defRPr sz="6000"/>
+            <a:lvl1pPr algn="l">
+              <a:defRPr sz="6600"/>
             </a:lvl1pPr>
           </a:lstStyle>
           <a:p>
             <a:r>
-              <a:rPr kumimoji="1" lang="ja-JP" altLang="en-US"/>
+              <a:rPr lang="ja-JP" altLang="en-US"/>
               <a:t>マスター タイトルの書式設定</a:t>
             </a:r>
-          </a:p>
-        </p:txBody>
-      </p:sp>
-      <p:sp>
-        <p:nvSpPr>
-          <p:cNvPr id="3" name="字幕 2">
-            <a:extLst>
-              <a:ext uri="{FF2B5EF4-FFF2-40B4-BE49-F238E27FC236}">
-                <a16:creationId xmlns:a16="http://schemas.microsoft.com/office/drawing/2014/main" id="{C3F85AED-AB7E-4D2E-9D93-26FAC7195306}"/>
-              </a:ext>
-            </a:extLst>
-          </p:cNvPr>
+            <a:endParaRPr lang="en-US" dirty="0"/>
+          </a:p>
+        </p:txBody>
+      </p:sp>
+      <p:sp>
+        <p:nvSpPr>
+          <p:cNvPr id="3" name="Subtitle 2"/>
           <p:cNvSpPr>
             <a:spLocks noGrp="1"/>
           </p:cNvSpPr>
@@ -1952,20 +1943,26 @@
         </p:nvSpPr>
         <p:spPr>
           <a:xfrm>
-            <a:off x="1524000" y="3602038"/>
-            <a:ext cx="9144000" cy="1655762"/>
+            <a:off x="2417780" y="3531204"/>
+            <a:ext cx="8637072" cy="977621"/>
           </a:xfrm>
         </p:spPr>
         <p:txBody>
-          <a:bodyPr/>
+          <a:bodyPr tIns="91440" bIns="91440">
+            <a:normAutofit/>
+          </a:bodyPr>
           <a:lstStyle>
-            <a:lvl1pPr marL="0" indent="0" algn="ctr">
+            <a:lvl1pPr marL="0" indent="0" algn="l">
               <a:buNone/>
-              <a:defRPr sz="2400"/>
+              <a:defRPr sz="1800" b="0" cap="all" baseline="0">
+                <a:solidFill>
+                  <a:schemeClr val="tx1"/>
+                </a:solidFill>
+              </a:defRPr>
             </a:lvl1pPr>
             <a:lvl2pPr marL="457200" indent="0" algn="ctr">
               <a:buNone/>
-              <a:defRPr sz="2000"/>
+              <a:defRPr sz="1800"/>
             </a:lvl2pPr>
             <a:lvl3pPr marL="914400" indent="0" algn="ctr">
               <a:buNone/>
@@ -1998,21 +1995,16 @@
           </a:lstStyle>
           <a:p>
             <a:r>
-              <a:rPr kumimoji="1" lang="ja-JP" altLang="en-US"/>
+              <a:rPr lang="ja-JP" altLang="en-US"/>
               <a:t>マスター サブタイトルの書式設定</a:t>
             </a:r>
-          </a:p>
-        </p:txBody>
-      </p:sp>
-      <p:sp>
-        <p:nvSpPr>
-          <p:cNvPr id="4" name="日付プレースホルダー 3">
-            <a:extLst>
-              <a:ext uri="{FF2B5EF4-FFF2-40B4-BE49-F238E27FC236}">
-                <a16:creationId xmlns:a16="http://schemas.microsoft.com/office/drawing/2014/main" id="{223C1056-7C24-486C-9397-3DAAA36928FB}"/>
-              </a:ext>
-            </a:extLst>
-          </p:cNvPr>
+            <a:endParaRPr lang="en-US" dirty="0"/>
+          </a:p>
+        </p:txBody>
+      </p:sp>
+      <p:sp>
+        <p:nvSpPr>
+          <p:cNvPr id="4" name="Date Placeholder 3"/>
           <p:cNvSpPr>
             <a:spLocks noGrp="1"/>
           </p:cNvSpPr>
@@ -2027,7 +2019,7 @@
           <a:p>
             <a:fld id="{43642E08-211E-42F1-B896-B15BBCEB4DD1}" type="datetimeFigureOut">
               <a:rPr kumimoji="1" lang="ja-JP" altLang="en-US" smtClean="0"/>
-              <a:t>2021/1/15</a:t>
+              <a:t>2021/1/21</a:t>
             </a:fld>
             <a:endParaRPr kumimoji="1" lang="ja-JP" altLang="en-US"/>
           </a:p>
@@ -2035,13 +2027,7 @@
       </p:sp>
       <p:sp>
         <p:nvSpPr>
-          <p:cNvPr id="5" name="フッター プレースホルダー 4">
-            <a:extLst>
-              <a:ext uri="{FF2B5EF4-FFF2-40B4-BE49-F238E27FC236}">
-                <a16:creationId xmlns:a16="http://schemas.microsoft.com/office/drawing/2014/main" id="{C9248F0A-09EF-4BD0-8014-A82026C8E3CC}"/>
-              </a:ext>
-            </a:extLst>
-          </p:cNvPr>
+          <p:cNvPr id="5" name="Footer Placeholder 4"/>
           <p:cNvSpPr>
             <a:spLocks noGrp="1"/>
           </p:cNvSpPr>
@@ -2049,7 +2035,12 @@
             <p:ph type="ftr" sz="quarter" idx="11"/>
           </p:nvPr>
         </p:nvSpPr>
-        <p:spPr/>
+        <p:spPr>
+          <a:xfrm>
+            <a:off x="2416500" y="329307"/>
+            <a:ext cx="4973915" cy="309201"/>
+          </a:xfrm>
+        </p:spPr>
         <p:txBody>
           <a:bodyPr/>
           <a:lstStyle/>
@@ -2060,13 +2051,7 @@
       </p:sp>
       <p:sp>
         <p:nvSpPr>
-          <p:cNvPr id="6" name="スライド番号プレースホルダー 5">
-            <a:extLst>
-              <a:ext uri="{FF2B5EF4-FFF2-40B4-BE49-F238E27FC236}">
-                <a16:creationId xmlns:a16="http://schemas.microsoft.com/office/drawing/2014/main" id="{23D277F9-1A97-43B6-B525-8D4388DA6CCD}"/>
-              </a:ext>
-            </a:extLst>
-          </p:cNvPr>
+          <p:cNvPr id="6" name="Slide Number Placeholder 5"/>
           <p:cNvSpPr>
             <a:spLocks noGrp="1"/>
           </p:cNvSpPr>
@@ -2074,7 +2059,12 @@
             <p:ph type="sldNum" sz="quarter" idx="12"/>
           </p:nvPr>
         </p:nvSpPr>
-        <p:spPr/>
+        <p:spPr>
+          <a:xfrm>
+            <a:off x="1437664" y="798973"/>
+            <a:ext cx="811019" cy="503578"/>
+          </a:xfrm>
+        </p:spPr>
         <p:txBody>
           <a:bodyPr/>
           <a:lstStyle/>
@@ -2087,10 +2077,41 @@
           </a:p>
         </p:txBody>
       </p:sp>
+      <p:cxnSp>
+        <p:nvCxnSpPr>
+          <p:cNvPr id="15" name="Straight Connector 14"/>
+          <p:cNvCxnSpPr/>
+          <p:nvPr/>
+        </p:nvCxnSpPr>
+        <p:spPr>
+          <a:xfrm>
+            <a:off x="2417780" y="3528542"/>
+            <a:ext cx="8637072" cy="0"/>
+          </a:xfrm>
+          <a:prstGeom prst="line">
+            <a:avLst/>
+          </a:prstGeom>
+          <a:ln w="31750"/>
+        </p:spPr>
+        <p:style>
+          <a:lnRef idx="3">
+            <a:schemeClr val="accent1"/>
+          </a:lnRef>
+          <a:fillRef idx="0">
+            <a:schemeClr val="accent1"/>
+          </a:fillRef>
+          <a:effectRef idx="2">
+            <a:schemeClr val="accent1"/>
+          </a:effectRef>
+          <a:fontRef idx="minor">
+            <a:schemeClr val="tx1"/>
+          </a:fontRef>
+        </p:style>
+      </p:cxnSp>
     </p:spTree>
     <p:extLst>
       <p:ext uri="{BB962C8B-B14F-4D97-AF65-F5344CB8AC3E}">
-        <p14:creationId xmlns:p14="http://schemas.microsoft.com/office/powerpoint/2010/main" val="4237281705"/>
+        <p14:creationId xmlns:p14="http://schemas.microsoft.com/office/powerpoint/2010/main" val="987373097"/>
       </p:ext>
     </p:extLst>
   </p:cSld>
@@ -2119,13 +2140,7 @@
       </p:grpSpPr>
       <p:sp>
         <p:nvSpPr>
-          <p:cNvPr id="2" name="タイトル 1">
-            <a:extLst>
-              <a:ext uri="{FF2B5EF4-FFF2-40B4-BE49-F238E27FC236}">
-                <a16:creationId xmlns:a16="http://schemas.microsoft.com/office/drawing/2014/main" id="{DE6EC40B-CFCC-401B-B1A7-3492C820DA75}"/>
-              </a:ext>
-            </a:extLst>
-          </p:cNvPr>
+          <p:cNvPr id="2" name="Title 1"/>
           <p:cNvSpPr>
             <a:spLocks noGrp="1"/>
           </p:cNvSpPr>
@@ -2139,21 +2154,16 @@
           <a:lstStyle/>
           <a:p>
             <a:r>
-              <a:rPr kumimoji="1" lang="ja-JP" altLang="en-US"/>
+              <a:rPr lang="ja-JP" altLang="en-US"/>
               <a:t>マスター タイトルの書式設定</a:t>
             </a:r>
-          </a:p>
-        </p:txBody>
-      </p:sp>
-      <p:sp>
-        <p:nvSpPr>
-          <p:cNvPr id="3" name="縦書きテキスト プレースホルダー 2">
-            <a:extLst>
-              <a:ext uri="{FF2B5EF4-FFF2-40B4-BE49-F238E27FC236}">
-                <a16:creationId xmlns:a16="http://schemas.microsoft.com/office/drawing/2014/main" id="{046D53C9-A299-494C-9D20-91676B2D0828}"/>
-              </a:ext>
-            </a:extLst>
-          </p:cNvPr>
+            <a:endParaRPr lang="en-US" dirty="0"/>
+          </a:p>
+        </p:txBody>
+      </p:sp>
+      <p:sp>
+        <p:nvSpPr>
+          <p:cNvPr id="3" name="Vertical Text Placeholder 2"/>
           <p:cNvSpPr>
             <a:spLocks noGrp="1"/>
           </p:cNvSpPr>
@@ -2168,81 +2178,76 @@
           <a:p>
             <a:pPr lvl="0"/>
             <a:r>
-              <a:rPr kumimoji="1" lang="ja-JP" altLang="en-US"/>
+              <a:rPr lang="ja-JP" altLang="en-US"/>
               <a:t>マスター テキストの書式設定</a:t>
             </a:r>
           </a:p>
           <a:p>
             <a:pPr lvl="1"/>
             <a:r>
-              <a:rPr kumimoji="1" lang="ja-JP" altLang="en-US"/>
+              <a:rPr lang="ja-JP" altLang="en-US"/>
               <a:t>第 </a:t>
             </a:r>
             <a:r>
-              <a:rPr kumimoji="1" lang="en-US" altLang="ja-JP"/>
+              <a:rPr lang="en-US" altLang="ja-JP"/>
               <a:t>2 </a:t>
             </a:r>
             <a:r>
-              <a:rPr kumimoji="1" lang="ja-JP" altLang="en-US"/>
+              <a:rPr lang="ja-JP" altLang="en-US"/>
               <a:t>レベル</a:t>
             </a:r>
           </a:p>
           <a:p>
             <a:pPr lvl="2"/>
             <a:r>
-              <a:rPr kumimoji="1" lang="ja-JP" altLang="en-US"/>
+              <a:rPr lang="ja-JP" altLang="en-US"/>
               <a:t>第 </a:t>
             </a:r>
             <a:r>
-              <a:rPr kumimoji="1" lang="en-US" altLang="ja-JP"/>
+              <a:rPr lang="en-US" altLang="ja-JP"/>
               <a:t>3 </a:t>
             </a:r>
             <a:r>
-              <a:rPr kumimoji="1" lang="ja-JP" altLang="en-US"/>
+              <a:rPr lang="ja-JP" altLang="en-US"/>
               <a:t>レベル</a:t>
             </a:r>
           </a:p>
           <a:p>
             <a:pPr lvl="3"/>
             <a:r>
-              <a:rPr kumimoji="1" lang="ja-JP" altLang="en-US"/>
+              <a:rPr lang="ja-JP" altLang="en-US"/>
               <a:t>第 </a:t>
             </a:r>
             <a:r>
-              <a:rPr kumimoji="1" lang="en-US" altLang="ja-JP"/>
+              <a:rPr lang="en-US" altLang="ja-JP"/>
               <a:t>4 </a:t>
             </a:r>
             <a:r>
-              <a:rPr kumimoji="1" lang="ja-JP" altLang="en-US"/>
+              <a:rPr lang="ja-JP" altLang="en-US"/>
               <a:t>レベル</a:t>
             </a:r>
           </a:p>
           <a:p>
             <a:pPr lvl="4"/>
             <a:r>
-              <a:rPr kumimoji="1" lang="ja-JP" altLang="en-US"/>
+              <a:rPr lang="ja-JP" altLang="en-US"/>
               <a:t>第 </a:t>
             </a:r>
             <a:r>
-              <a:rPr kumimoji="1" lang="en-US" altLang="ja-JP"/>
+              <a:rPr lang="en-US" altLang="ja-JP"/>
               <a:t>5 </a:t>
             </a:r>
             <a:r>
-              <a:rPr kumimoji="1" lang="ja-JP" altLang="en-US"/>
+              <a:rPr lang="ja-JP" altLang="en-US"/>
               <a:t>レベル</a:t>
             </a:r>
-          </a:p>
-        </p:txBody>
-      </p:sp>
-      <p:sp>
-        <p:nvSpPr>
-          <p:cNvPr id="4" name="日付プレースホルダー 3">
-            <a:extLst>
-              <a:ext uri="{FF2B5EF4-FFF2-40B4-BE49-F238E27FC236}">
-                <a16:creationId xmlns:a16="http://schemas.microsoft.com/office/drawing/2014/main" id="{9DE5E774-D176-4C84-B48E-1CB72685D018}"/>
-              </a:ext>
-            </a:extLst>
-          </p:cNvPr>
+            <a:endParaRPr lang="en-US" dirty="0"/>
+          </a:p>
+        </p:txBody>
+      </p:sp>
+      <p:sp>
+        <p:nvSpPr>
+          <p:cNvPr id="4" name="Date Placeholder 3"/>
           <p:cNvSpPr>
             <a:spLocks noGrp="1"/>
           </p:cNvSpPr>
@@ -2257,7 +2262,7 @@
           <a:p>
             <a:fld id="{43642E08-211E-42F1-B896-B15BBCEB4DD1}" type="datetimeFigureOut">
               <a:rPr kumimoji="1" lang="ja-JP" altLang="en-US" smtClean="0"/>
-              <a:t>2021/1/15</a:t>
+              <a:t>2021/1/21</a:t>
             </a:fld>
             <a:endParaRPr kumimoji="1" lang="ja-JP" altLang="en-US"/>
           </a:p>
@@ -2265,13 +2270,7 @@
       </p:sp>
       <p:sp>
         <p:nvSpPr>
-          <p:cNvPr id="5" name="フッター プレースホルダー 4">
-            <a:extLst>
-              <a:ext uri="{FF2B5EF4-FFF2-40B4-BE49-F238E27FC236}">
-                <a16:creationId xmlns:a16="http://schemas.microsoft.com/office/drawing/2014/main" id="{7DB4CFA4-2A60-47FA-ACDA-77DAAA5C70EF}"/>
-              </a:ext>
-            </a:extLst>
-          </p:cNvPr>
+          <p:cNvPr id="5" name="Footer Placeholder 4"/>
           <p:cNvSpPr>
             <a:spLocks noGrp="1"/>
           </p:cNvSpPr>
@@ -2290,13 +2289,7 @@
       </p:sp>
       <p:sp>
         <p:nvSpPr>
-          <p:cNvPr id="6" name="スライド番号プレースホルダー 5">
-            <a:extLst>
-              <a:ext uri="{FF2B5EF4-FFF2-40B4-BE49-F238E27FC236}">
-                <a16:creationId xmlns:a16="http://schemas.microsoft.com/office/drawing/2014/main" id="{11FF58CE-37BF-4609-8E5E-0A92E2C691D1}"/>
-              </a:ext>
-            </a:extLst>
-          </p:cNvPr>
+          <p:cNvPr id="6" name="Slide Number Placeholder 5"/>
           <p:cNvSpPr>
             <a:spLocks noGrp="1"/>
           </p:cNvSpPr>
@@ -2317,10 +2310,41 @@
           </a:p>
         </p:txBody>
       </p:sp>
+      <p:cxnSp>
+        <p:nvCxnSpPr>
+          <p:cNvPr id="26" name="Straight Connector 25"/>
+          <p:cNvCxnSpPr/>
+          <p:nvPr/>
+        </p:nvCxnSpPr>
+        <p:spPr>
+          <a:xfrm>
+            <a:off x="1453896" y="1847088"/>
+            <a:ext cx="9607522" cy="0"/>
+          </a:xfrm>
+          <a:prstGeom prst="line">
+            <a:avLst/>
+          </a:prstGeom>
+          <a:ln w="31750"/>
+        </p:spPr>
+        <p:style>
+          <a:lnRef idx="3">
+            <a:schemeClr val="accent1"/>
+          </a:lnRef>
+          <a:fillRef idx="0">
+            <a:schemeClr val="accent1"/>
+          </a:fillRef>
+          <a:effectRef idx="2">
+            <a:schemeClr val="accent1"/>
+          </a:effectRef>
+          <a:fontRef idx="minor">
+            <a:schemeClr val="tx1"/>
+          </a:fontRef>
+        </p:style>
+      </p:cxnSp>
     </p:spTree>
     <p:extLst>
       <p:ext uri="{BB962C8B-B14F-4D97-AF65-F5344CB8AC3E}">
-        <p14:creationId xmlns:p14="http://schemas.microsoft.com/office/powerpoint/2010/main" val="3048663112"/>
+        <p14:creationId xmlns:p14="http://schemas.microsoft.com/office/powerpoint/2010/main" val="4216251384"/>
       </p:ext>
     </p:extLst>
   </p:cSld>
@@ -2349,13 +2373,7 @@
       </p:grpSpPr>
       <p:sp>
         <p:nvSpPr>
-          <p:cNvPr id="2" name="縦書きタイトル 1">
-            <a:extLst>
-              <a:ext uri="{FF2B5EF4-FFF2-40B4-BE49-F238E27FC236}">
-                <a16:creationId xmlns:a16="http://schemas.microsoft.com/office/drawing/2014/main" id="{C6DD5EEC-8BCC-4C4D-87D4-B22E3D7D227F}"/>
-              </a:ext>
-            </a:extLst>
-          </p:cNvPr>
+          <p:cNvPr id="2" name="Vertical Title 1"/>
           <p:cNvSpPr>
             <a:spLocks noGrp="1"/>
           </p:cNvSpPr>
@@ -2365,30 +2383,29 @@
         </p:nvSpPr>
         <p:spPr>
           <a:xfrm>
-            <a:off x="8724900" y="365125"/>
-            <a:ext cx="2628900" cy="5811838"/>
+            <a:off x="9439111" y="798973"/>
+            <a:ext cx="1615742" cy="4659889"/>
           </a:xfrm>
         </p:spPr>
         <p:txBody>
           <a:bodyPr vert="eaVert"/>
-          <a:lstStyle/>
-          <a:p>
-            <a:r>
-              <a:rPr kumimoji="1" lang="ja-JP" altLang="en-US"/>
+          <a:lstStyle>
+            <a:lvl1pPr algn="l">
+              <a:defRPr/>
+            </a:lvl1pPr>
+          </a:lstStyle>
+          <a:p>
+            <a:r>
+              <a:rPr lang="ja-JP" altLang="en-US"/>
               <a:t>マスター タイトルの書式設定</a:t>
             </a:r>
-          </a:p>
-        </p:txBody>
-      </p:sp>
-      <p:sp>
-        <p:nvSpPr>
-          <p:cNvPr id="3" name="縦書きテキスト プレースホルダー 2">
-            <a:extLst>
-              <a:ext uri="{FF2B5EF4-FFF2-40B4-BE49-F238E27FC236}">
-                <a16:creationId xmlns:a16="http://schemas.microsoft.com/office/drawing/2014/main" id="{00D16794-1AD3-455E-8963-6C626579317D}"/>
-              </a:ext>
-            </a:extLst>
-          </p:cNvPr>
+            <a:endParaRPr lang="en-US" dirty="0"/>
+          </a:p>
+        </p:txBody>
+      </p:sp>
+      <p:sp>
+        <p:nvSpPr>
+          <p:cNvPr id="3" name="Vertical Text Placeholder 2"/>
           <p:cNvSpPr>
             <a:spLocks noGrp="1"/>
           </p:cNvSpPr>
@@ -2398,8 +2415,8 @@
         </p:nvSpPr>
         <p:spPr>
           <a:xfrm>
-            <a:off x="838200" y="365125"/>
-            <a:ext cx="7734300" cy="5811838"/>
+            <a:off x="1444672" y="798973"/>
+            <a:ext cx="7828830" cy="4659889"/>
           </a:xfrm>
         </p:spPr>
         <p:txBody>
@@ -2408,81 +2425,76 @@
           <a:p>
             <a:pPr lvl="0"/>
             <a:r>
-              <a:rPr kumimoji="1" lang="ja-JP" altLang="en-US"/>
+              <a:rPr lang="ja-JP" altLang="en-US"/>
               <a:t>マスター テキストの書式設定</a:t>
             </a:r>
           </a:p>
           <a:p>
             <a:pPr lvl="1"/>
             <a:r>
-              <a:rPr kumimoji="1" lang="ja-JP" altLang="en-US"/>
+              <a:rPr lang="ja-JP" altLang="en-US"/>
               <a:t>第 </a:t>
             </a:r>
             <a:r>
-              <a:rPr kumimoji="1" lang="en-US" altLang="ja-JP"/>
+              <a:rPr lang="en-US" altLang="ja-JP"/>
               <a:t>2 </a:t>
             </a:r>
             <a:r>
-              <a:rPr kumimoji="1" lang="ja-JP" altLang="en-US"/>
+              <a:rPr lang="ja-JP" altLang="en-US"/>
               <a:t>レベル</a:t>
             </a:r>
           </a:p>
           <a:p>
             <a:pPr lvl="2"/>
             <a:r>
-              <a:rPr kumimoji="1" lang="ja-JP" altLang="en-US"/>
+              <a:rPr lang="ja-JP" altLang="en-US"/>
               <a:t>第 </a:t>
             </a:r>
             <a:r>
-              <a:rPr kumimoji="1" lang="en-US" altLang="ja-JP"/>
+              <a:rPr lang="en-US" altLang="ja-JP"/>
               <a:t>3 </a:t>
             </a:r>
             <a:r>
-              <a:rPr kumimoji="1" lang="ja-JP" altLang="en-US"/>
+              <a:rPr lang="ja-JP" altLang="en-US"/>
               <a:t>レベル</a:t>
             </a:r>
           </a:p>
           <a:p>
             <a:pPr lvl="3"/>
             <a:r>
-              <a:rPr kumimoji="1" lang="ja-JP" altLang="en-US"/>
+              <a:rPr lang="ja-JP" altLang="en-US"/>
               <a:t>第 </a:t>
             </a:r>
             <a:r>
-              <a:rPr kumimoji="1" lang="en-US" altLang="ja-JP"/>
+              <a:rPr lang="en-US" altLang="ja-JP"/>
               <a:t>4 </a:t>
             </a:r>
             <a:r>
-              <a:rPr kumimoji="1" lang="ja-JP" altLang="en-US"/>
+              <a:rPr lang="ja-JP" altLang="en-US"/>
               <a:t>レベル</a:t>
             </a:r>
           </a:p>
           <a:p>
             <a:pPr lvl="4"/>
             <a:r>
-              <a:rPr kumimoji="1" lang="ja-JP" altLang="en-US"/>
+              <a:rPr lang="ja-JP" altLang="en-US"/>
               <a:t>第 </a:t>
             </a:r>
             <a:r>
-              <a:rPr kumimoji="1" lang="en-US" altLang="ja-JP"/>
+              <a:rPr lang="en-US" altLang="ja-JP"/>
               <a:t>5 </a:t>
             </a:r>
             <a:r>
-              <a:rPr kumimoji="1" lang="ja-JP" altLang="en-US"/>
+              <a:rPr lang="ja-JP" altLang="en-US"/>
               <a:t>レベル</a:t>
             </a:r>
-          </a:p>
-        </p:txBody>
-      </p:sp>
-      <p:sp>
-        <p:nvSpPr>
-          <p:cNvPr id="4" name="日付プレースホルダー 3">
-            <a:extLst>
-              <a:ext uri="{FF2B5EF4-FFF2-40B4-BE49-F238E27FC236}">
-                <a16:creationId xmlns:a16="http://schemas.microsoft.com/office/drawing/2014/main" id="{A37BC099-95BD-4392-A2EB-768F76B012EE}"/>
-              </a:ext>
-            </a:extLst>
-          </p:cNvPr>
+            <a:endParaRPr lang="en-US" dirty="0"/>
+          </a:p>
+        </p:txBody>
+      </p:sp>
+      <p:sp>
+        <p:nvSpPr>
+          <p:cNvPr id="4" name="Date Placeholder 3"/>
           <p:cNvSpPr>
             <a:spLocks noGrp="1"/>
           </p:cNvSpPr>
@@ -2497,7 +2509,7 @@
           <a:p>
             <a:fld id="{43642E08-211E-42F1-B896-B15BBCEB4DD1}" type="datetimeFigureOut">
               <a:rPr kumimoji="1" lang="ja-JP" altLang="en-US" smtClean="0"/>
-              <a:t>2021/1/15</a:t>
+              <a:t>2021/1/21</a:t>
             </a:fld>
             <a:endParaRPr kumimoji="1" lang="ja-JP" altLang="en-US"/>
           </a:p>
@@ -2505,13 +2517,7 @@
       </p:sp>
       <p:sp>
         <p:nvSpPr>
-          <p:cNvPr id="5" name="フッター プレースホルダー 4">
-            <a:extLst>
-              <a:ext uri="{FF2B5EF4-FFF2-40B4-BE49-F238E27FC236}">
-                <a16:creationId xmlns:a16="http://schemas.microsoft.com/office/drawing/2014/main" id="{AF2E49EF-D99D-4641-9EEB-D2D65A5DFC22}"/>
-              </a:ext>
-            </a:extLst>
-          </p:cNvPr>
+          <p:cNvPr id="5" name="Footer Placeholder 4"/>
           <p:cNvSpPr>
             <a:spLocks noGrp="1"/>
           </p:cNvSpPr>
@@ -2530,13 +2536,7 @@
       </p:sp>
       <p:sp>
         <p:nvSpPr>
-          <p:cNvPr id="6" name="スライド番号プレースホルダー 5">
-            <a:extLst>
-              <a:ext uri="{FF2B5EF4-FFF2-40B4-BE49-F238E27FC236}">
-                <a16:creationId xmlns:a16="http://schemas.microsoft.com/office/drawing/2014/main" id="{5C9814D7-700E-478C-A757-C0C9F0E85DB5}"/>
-              </a:ext>
-            </a:extLst>
-          </p:cNvPr>
+          <p:cNvPr id="6" name="Slide Number Placeholder 5"/>
           <p:cNvSpPr>
             <a:spLocks noGrp="1"/>
           </p:cNvSpPr>
@@ -2557,10 +2557,41 @@
           </a:p>
         </p:txBody>
       </p:sp>
+      <p:cxnSp>
+        <p:nvCxnSpPr>
+          <p:cNvPr id="15" name="Straight Connector 14"/>
+          <p:cNvCxnSpPr/>
+          <p:nvPr/>
+        </p:nvCxnSpPr>
+        <p:spPr>
+          <a:xfrm>
+            <a:off x="9439111" y="798973"/>
+            <a:ext cx="0" cy="4659889"/>
+          </a:xfrm>
+          <a:prstGeom prst="line">
+            <a:avLst/>
+          </a:prstGeom>
+          <a:ln w="31750"/>
+        </p:spPr>
+        <p:style>
+          <a:lnRef idx="3">
+            <a:schemeClr val="accent1"/>
+          </a:lnRef>
+          <a:fillRef idx="0">
+            <a:schemeClr val="accent1"/>
+          </a:fillRef>
+          <a:effectRef idx="2">
+            <a:schemeClr val="accent1"/>
+          </a:effectRef>
+          <a:fontRef idx="minor">
+            <a:schemeClr val="tx1"/>
+          </a:fontRef>
+        </p:style>
+      </p:cxnSp>
     </p:spTree>
     <p:extLst>
       <p:ext uri="{BB962C8B-B14F-4D97-AF65-F5344CB8AC3E}">
-        <p14:creationId xmlns:p14="http://schemas.microsoft.com/office/powerpoint/2010/main" val="1886802522"/>
+        <p14:creationId xmlns:p14="http://schemas.microsoft.com/office/powerpoint/2010/main" val="283279470"/>
       </p:ext>
     </p:extLst>
   </p:cSld>
@@ -2589,13 +2620,7 @@
       </p:grpSpPr>
       <p:sp>
         <p:nvSpPr>
-          <p:cNvPr id="2" name="タイトル 1">
-            <a:extLst>
-              <a:ext uri="{FF2B5EF4-FFF2-40B4-BE49-F238E27FC236}">
-                <a16:creationId xmlns:a16="http://schemas.microsoft.com/office/drawing/2014/main" id="{A4780D8F-E61F-4D16-8D83-876EBE919B0A}"/>
-              </a:ext>
-            </a:extLst>
-          </p:cNvPr>
+          <p:cNvPr id="2" name="Title 1"/>
           <p:cNvSpPr>
             <a:spLocks noGrp="1"/>
           </p:cNvSpPr>
@@ -2609,21 +2634,16 @@
           <a:lstStyle/>
           <a:p>
             <a:r>
-              <a:rPr kumimoji="1" lang="ja-JP" altLang="en-US"/>
+              <a:rPr lang="ja-JP" altLang="en-US"/>
               <a:t>マスター タイトルの書式設定</a:t>
             </a:r>
-          </a:p>
-        </p:txBody>
-      </p:sp>
-      <p:sp>
-        <p:nvSpPr>
-          <p:cNvPr id="3" name="コンテンツ プレースホルダー 2">
-            <a:extLst>
-              <a:ext uri="{FF2B5EF4-FFF2-40B4-BE49-F238E27FC236}">
-                <a16:creationId xmlns:a16="http://schemas.microsoft.com/office/drawing/2014/main" id="{FE530B41-FBA4-4DBC-B503-8E650F7094C3}"/>
-              </a:ext>
-            </a:extLst>
-          </p:cNvPr>
+            <a:endParaRPr lang="en-US" dirty="0"/>
+          </a:p>
+        </p:txBody>
+      </p:sp>
+      <p:sp>
+        <p:nvSpPr>
+          <p:cNvPr id="3" name="Content Placeholder 2"/>
           <p:cNvSpPr>
             <a:spLocks noGrp="1"/>
           </p:cNvSpPr>
@@ -2633,86 +2653,81 @@
         </p:nvSpPr>
         <p:spPr/>
         <p:txBody>
-          <a:bodyPr/>
+          <a:bodyPr anchor="t"/>
           <a:lstStyle/>
           <a:p>
             <a:pPr lvl="0"/>
             <a:r>
-              <a:rPr kumimoji="1" lang="ja-JP" altLang="en-US"/>
+              <a:rPr lang="ja-JP" altLang="en-US"/>
               <a:t>マスター テキストの書式設定</a:t>
             </a:r>
           </a:p>
           <a:p>
             <a:pPr lvl="1"/>
             <a:r>
-              <a:rPr kumimoji="1" lang="ja-JP" altLang="en-US"/>
+              <a:rPr lang="ja-JP" altLang="en-US"/>
               <a:t>第 </a:t>
             </a:r>
             <a:r>
-              <a:rPr kumimoji="1" lang="en-US" altLang="ja-JP"/>
+              <a:rPr lang="en-US" altLang="ja-JP"/>
               <a:t>2 </a:t>
             </a:r>
             <a:r>
-              <a:rPr kumimoji="1" lang="ja-JP" altLang="en-US"/>
+              <a:rPr lang="ja-JP" altLang="en-US"/>
               <a:t>レベル</a:t>
             </a:r>
           </a:p>
           <a:p>
             <a:pPr lvl="2"/>
             <a:r>
-              <a:rPr kumimoji="1" lang="ja-JP" altLang="en-US"/>
+              <a:rPr lang="ja-JP" altLang="en-US"/>
               <a:t>第 </a:t>
             </a:r>
             <a:r>
-              <a:rPr kumimoji="1" lang="en-US" altLang="ja-JP"/>
+              <a:rPr lang="en-US" altLang="ja-JP"/>
               <a:t>3 </a:t>
             </a:r>
             <a:r>
-              <a:rPr kumimoji="1" lang="ja-JP" altLang="en-US"/>
+              <a:rPr lang="ja-JP" altLang="en-US"/>
               <a:t>レベル</a:t>
             </a:r>
           </a:p>
           <a:p>
             <a:pPr lvl="3"/>
             <a:r>
-              <a:rPr kumimoji="1" lang="ja-JP" altLang="en-US"/>
+              <a:rPr lang="ja-JP" altLang="en-US"/>
               <a:t>第 </a:t>
             </a:r>
             <a:r>
-              <a:rPr kumimoji="1" lang="en-US" altLang="ja-JP"/>
+              <a:rPr lang="en-US" altLang="ja-JP"/>
               <a:t>4 </a:t>
             </a:r>
             <a:r>
-              <a:rPr kumimoji="1" lang="ja-JP" altLang="en-US"/>
+              <a:rPr lang="ja-JP" altLang="en-US"/>
               <a:t>レベル</a:t>
             </a:r>
           </a:p>
           <a:p>
             <a:pPr lvl="4"/>
             <a:r>
-              <a:rPr kumimoji="1" lang="ja-JP" altLang="en-US"/>
+              <a:rPr lang="ja-JP" altLang="en-US"/>
               <a:t>第 </a:t>
             </a:r>
             <a:r>
-              <a:rPr kumimoji="1" lang="en-US" altLang="ja-JP"/>
+              <a:rPr lang="en-US" altLang="ja-JP"/>
               <a:t>5 </a:t>
             </a:r>
             <a:r>
-              <a:rPr kumimoji="1" lang="ja-JP" altLang="en-US"/>
+              <a:rPr lang="ja-JP" altLang="en-US"/>
               <a:t>レベル</a:t>
             </a:r>
-          </a:p>
-        </p:txBody>
-      </p:sp>
-      <p:sp>
-        <p:nvSpPr>
-          <p:cNvPr id="4" name="日付プレースホルダー 3">
-            <a:extLst>
-              <a:ext uri="{FF2B5EF4-FFF2-40B4-BE49-F238E27FC236}">
-                <a16:creationId xmlns:a16="http://schemas.microsoft.com/office/drawing/2014/main" id="{CB1A1E5C-411F-4E32-9FD2-8F06A9C4562C}"/>
-              </a:ext>
-            </a:extLst>
-          </p:cNvPr>
+            <a:endParaRPr lang="en-US" dirty="0"/>
+          </a:p>
+        </p:txBody>
+      </p:sp>
+      <p:sp>
+        <p:nvSpPr>
+          <p:cNvPr id="4" name="Date Placeholder 3"/>
           <p:cNvSpPr>
             <a:spLocks noGrp="1"/>
           </p:cNvSpPr>
@@ -2727,7 +2742,7 @@
           <a:p>
             <a:fld id="{43642E08-211E-42F1-B896-B15BBCEB4DD1}" type="datetimeFigureOut">
               <a:rPr kumimoji="1" lang="ja-JP" altLang="en-US" smtClean="0"/>
-              <a:t>2021/1/15</a:t>
+              <a:t>2021/1/21</a:t>
             </a:fld>
             <a:endParaRPr kumimoji="1" lang="ja-JP" altLang="en-US"/>
           </a:p>
@@ -2735,13 +2750,7 @@
       </p:sp>
       <p:sp>
         <p:nvSpPr>
-          <p:cNvPr id="5" name="フッター プレースホルダー 4">
-            <a:extLst>
-              <a:ext uri="{FF2B5EF4-FFF2-40B4-BE49-F238E27FC236}">
-                <a16:creationId xmlns:a16="http://schemas.microsoft.com/office/drawing/2014/main" id="{22FCA8D6-1FED-4E54-AC20-832B9FF2551D}"/>
-              </a:ext>
-            </a:extLst>
-          </p:cNvPr>
+          <p:cNvPr id="5" name="Footer Placeholder 4"/>
           <p:cNvSpPr>
             <a:spLocks noGrp="1"/>
           </p:cNvSpPr>
@@ -2760,13 +2769,7 @@
       </p:sp>
       <p:sp>
         <p:nvSpPr>
-          <p:cNvPr id="6" name="スライド番号プレースホルダー 5">
-            <a:extLst>
-              <a:ext uri="{FF2B5EF4-FFF2-40B4-BE49-F238E27FC236}">
-                <a16:creationId xmlns:a16="http://schemas.microsoft.com/office/drawing/2014/main" id="{D5CC4AFE-25DA-4576-8B4B-5AE4F60D4C80}"/>
-              </a:ext>
-            </a:extLst>
-          </p:cNvPr>
+          <p:cNvPr id="6" name="Slide Number Placeholder 5"/>
           <p:cNvSpPr>
             <a:spLocks noGrp="1"/>
           </p:cNvSpPr>
@@ -2787,10 +2790,41 @@
           </a:p>
         </p:txBody>
       </p:sp>
+      <p:cxnSp>
+        <p:nvCxnSpPr>
+          <p:cNvPr id="33" name="Straight Connector 32"/>
+          <p:cNvCxnSpPr/>
+          <p:nvPr/>
+        </p:nvCxnSpPr>
+        <p:spPr>
+          <a:xfrm>
+            <a:off x="1453896" y="1847088"/>
+            <a:ext cx="9607522" cy="0"/>
+          </a:xfrm>
+          <a:prstGeom prst="line">
+            <a:avLst/>
+          </a:prstGeom>
+          <a:ln w="31750"/>
+        </p:spPr>
+        <p:style>
+          <a:lnRef idx="3">
+            <a:schemeClr val="accent1"/>
+          </a:lnRef>
+          <a:fillRef idx="0">
+            <a:schemeClr val="accent1"/>
+          </a:fillRef>
+          <a:effectRef idx="2">
+            <a:schemeClr val="accent1"/>
+          </a:effectRef>
+          <a:fontRef idx="minor">
+            <a:schemeClr val="tx1"/>
+          </a:fontRef>
+        </p:style>
+      </p:cxnSp>
     </p:spTree>
     <p:extLst>
       <p:ext uri="{BB962C8B-B14F-4D97-AF65-F5344CB8AC3E}">
-        <p14:creationId xmlns:p14="http://schemas.microsoft.com/office/powerpoint/2010/main" val="2856176406"/>
+        <p14:creationId xmlns:p14="http://schemas.microsoft.com/office/powerpoint/2010/main" val="3348770597"/>
       </p:ext>
     </p:extLst>
   </p:cSld>
@@ -2819,13 +2853,7 @@
       </p:grpSpPr>
       <p:sp>
         <p:nvSpPr>
-          <p:cNvPr id="2" name="タイトル 1">
-            <a:extLst>
-              <a:ext uri="{FF2B5EF4-FFF2-40B4-BE49-F238E27FC236}">
-                <a16:creationId xmlns:a16="http://schemas.microsoft.com/office/drawing/2014/main" id="{55D212BF-22EC-4564-9C70-C607F21E84F0}"/>
-              </a:ext>
-            </a:extLst>
-          </p:cNvPr>
+          <p:cNvPr id="2" name="Title 1"/>
           <p:cNvSpPr>
             <a:spLocks noGrp="1"/>
           </p:cNvSpPr>
@@ -2835,34 +2863,31 @@
         </p:nvSpPr>
         <p:spPr>
           <a:xfrm>
-            <a:off x="831850" y="1709738"/>
-            <a:ext cx="10515600" cy="2852737"/>
+            <a:off x="1454239" y="1756130"/>
+            <a:ext cx="8643154" cy="1887950"/>
           </a:xfrm>
         </p:spPr>
         <p:txBody>
-          <a:bodyPr anchor="b"/>
+          <a:bodyPr anchor="b">
+            <a:normAutofit/>
+          </a:bodyPr>
           <a:lstStyle>
-            <a:lvl1pPr>
-              <a:defRPr sz="6000"/>
+            <a:lvl1pPr algn="l">
+              <a:defRPr sz="3600"/>
             </a:lvl1pPr>
           </a:lstStyle>
           <a:p>
             <a:r>
-              <a:rPr kumimoji="1" lang="ja-JP" altLang="en-US"/>
+              <a:rPr lang="ja-JP" altLang="en-US"/>
               <a:t>マスター タイトルの書式設定</a:t>
             </a:r>
-          </a:p>
-        </p:txBody>
-      </p:sp>
-      <p:sp>
-        <p:nvSpPr>
-          <p:cNvPr id="3" name="テキスト プレースホルダー 2">
-            <a:extLst>
-              <a:ext uri="{FF2B5EF4-FFF2-40B4-BE49-F238E27FC236}">
-                <a16:creationId xmlns:a16="http://schemas.microsoft.com/office/drawing/2014/main" id="{AE67DC02-BAF0-4452-838C-FDC16762700C}"/>
-              </a:ext>
-            </a:extLst>
-          </p:cNvPr>
+            <a:endParaRPr lang="en-US" dirty="0"/>
+          </a:p>
+        </p:txBody>
+      </p:sp>
+      <p:sp>
+        <p:nvSpPr>
+          <p:cNvPr id="3" name="Text Placeholder 2"/>
           <p:cNvSpPr>
             <a:spLocks noGrp="1"/>
           </p:cNvSpPr>
@@ -2872,26 +2897,26 @@
         </p:nvSpPr>
         <p:spPr>
           <a:xfrm>
-            <a:off x="831850" y="4589463"/>
-            <a:ext cx="10515600" cy="1500187"/>
+            <a:off x="1454239" y="3806195"/>
+            <a:ext cx="8630446" cy="1012929"/>
           </a:xfrm>
         </p:spPr>
         <p:txBody>
-          <a:bodyPr/>
+          <a:bodyPr tIns="91440">
+            <a:normAutofit/>
+          </a:bodyPr>
           <a:lstStyle>
-            <a:lvl1pPr marL="0" indent="0">
+            <a:lvl1pPr marL="0" indent="0" algn="l">
               <a:buNone/>
-              <a:defRPr sz="2400">
+              <a:defRPr sz="1800">
                 <a:solidFill>
-                  <a:schemeClr val="tx1">
-                    <a:tint val="75000"/>
-                  </a:schemeClr>
+                  <a:schemeClr val="tx1"/>
                 </a:solidFill>
               </a:defRPr>
             </a:lvl1pPr>
             <a:lvl2pPr marL="457200" indent="0">
               <a:buNone/>
-              <a:defRPr sz="2000">
+              <a:defRPr sz="1800">
                 <a:solidFill>
                   <a:schemeClr val="tx1">
                     <a:tint val="75000"/>
@@ -2973,7 +2998,7 @@
           <a:p>
             <a:pPr lvl="0"/>
             <a:r>
-              <a:rPr kumimoji="1" lang="ja-JP" altLang="en-US"/>
+              <a:rPr lang="ja-JP" altLang="en-US"/>
               <a:t>マスター テキストの書式設定</a:t>
             </a:r>
           </a:p>
@@ -2981,13 +3006,7 @@
       </p:sp>
       <p:sp>
         <p:nvSpPr>
-          <p:cNvPr id="4" name="日付プレースホルダー 3">
-            <a:extLst>
-              <a:ext uri="{FF2B5EF4-FFF2-40B4-BE49-F238E27FC236}">
-                <a16:creationId xmlns:a16="http://schemas.microsoft.com/office/drawing/2014/main" id="{28C472B7-1022-43AD-81E2-EA173FC6DCDC}"/>
-              </a:ext>
-            </a:extLst>
-          </p:cNvPr>
+          <p:cNvPr id="4" name="Date Placeholder 3"/>
           <p:cNvSpPr>
             <a:spLocks noGrp="1"/>
           </p:cNvSpPr>
@@ -3002,7 +3021,7 @@
           <a:p>
             <a:fld id="{43642E08-211E-42F1-B896-B15BBCEB4DD1}" type="datetimeFigureOut">
               <a:rPr kumimoji="1" lang="ja-JP" altLang="en-US" smtClean="0"/>
-              <a:t>2021/1/15</a:t>
+              <a:t>2021/1/21</a:t>
             </a:fld>
             <a:endParaRPr kumimoji="1" lang="ja-JP" altLang="en-US"/>
           </a:p>
@@ -3010,13 +3029,7 @@
       </p:sp>
       <p:sp>
         <p:nvSpPr>
-          <p:cNvPr id="5" name="フッター プレースホルダー 4">
-            <a:extLst>
-              <a:ext uri="{FF2B5EF4-FFF2-40B4-BE49-F238E27FC236}">
-                <a16:creationId xmlns:a16="http://schemas.microsoft.com/office/drawing/2014/main" id="{E2E1922D-3BA7-4963-A1B3-9C71C6620249}"/>
-              </a:ext>
-            </a:extLst>
-          </p:cNvPr>
+          <p:cNvPr id="5" name="Footer Placeholder 4"/>
           <p:cNvSpPr>
             <a:spLocks noGrp="1"/>
           </p:cNvSpPr>
@@ -3035,13 +3048,7 @@
       </p:sp>
       <p:sp>
         <p:nvSpPr>
-          <p:cNvPr id="6" name="スライド番号プレースホルダー 5">
-            <a:extLst>
-              <a:ext uri="{FF2B5EF4-FFF2-40B4-BE49-F238E27FC236}">
-                <a16:creationId xmlns:a16="http://schemas.microsoft.com/office/drawing/2014/main" id="{5574D24F-8379-4DEB-A2C5-593642F72B77}"/>
-              </a:ext>
-            </a:extLst>
-          </p:cNvPr>
+          <p:cNvPr id="6" name="Slide Number Placeholder 5"/>
           <p:cNvSpPr>
             <a:spLocks noGrp="1"/>
           </p:cNvSpPr>
@@ -3062,10 +3069,41 @@
           </a:p>
         </p:txBody>
       </p:sp>
+      <p:cxnSp>
+        <p:nvCxnSpPr>
+          <p:cNvPr id="15" name="Straight Connector 14"/>
+          <p:cNvCxnSpPr/>
+          <p:nvPr/>
+        </p:nvCxnSpPr>
+        <p:spPr>
+          <a:xfrm>
+            <a:off x="1454239" y="3804985"/>
+            <a:ext cx="8630446" cy="0"/>
+          </a:xfrm>
+          <a:prstGeom prst="line">
+            <a:avLst/>
+          </a:prstGeom>
+          <a:ln w="31750"/>
+        </p:spPr>
+        <p:style>
+          <a:lnRef idx="3">
+            <a:schemeClr val="accent1"/>
+          </a:lnRef>
+          <a:fillRef idx="0">
+            <a:schemeClr val="accent1"/>
+          </a:fillRef>
+          <a:effectRef idx="2">
+            <a:schemeClr val="accent1"/>
+          </a:effectRef>
+          <a:fontRef idx="minor">
+            <a:schemeClr val="tx1"/>
+          </a:fontRef>
+        </p:style>
+      </p:cxnSp>
     </p:spTree>
     <p:extLst>
       <p:ext uri="{BB962C8B-B14F-4D97-AF65-F5344CB8AC3E}">
-        <p14:creationId xmlns:p14="http://schemas.microsoft.com/office/powerpoint/2010/main" val="1346199845"/>
+        <p14:creationId xmlns:p14="http://schemas.microsoft.com/office/powerpoint/2010/main" val="59317885"/>
       </p:ext>
     </p:extLst>
   </p:cSld>
@@ -3094,13 +3132,7 @@
       </p:grpSpPr>
       <p:sp>
         <p:nvSpPr>
-          <p:cNvPr id="2" name="タイトル 1">
-            <a:extLst>
-              <a:ext uri="{FF2B5EF4-FFF2-40B4-BE49-F238E27FC236}">
-                <a16:creationId xmlns:a16="http://schemas.microsoft.com/office/drawing/2014/main" id="{08FA5459-C23C-4912-B6D4-A223850279D6}"/>
-              </a:ext>
-            </a:extLst>
-          </p:cNvPr>
+          <p:cNvPr id="2" name="Title 1"/>
           <p:cNvSpPr>
             <a:spLocks noGrp="1"/>
           </p:cNvSpPr>
@@ -3108,27 +3140,27 @@
             <p:ph type="title"/>
           </p:nvPr>
         </p:nvSpPr>
-        <p:spPr/>
+        <p:spPr>
+          <a:xfrm>
+            <a:off x="1449217" y="804889"/>
+            <a:ext cx="9605635" cy="1059305"/>
+          </a:xfrm>
+        </p:spPr>
         <p:txBody>
           <a:bodyPr/>
           <a:lstStyle/>
           <a:p>
             <a:r>
-              <a:rPr kumimoji="1" lang="ja-JP" altLang="en-US"/>
+              <a:rPr lang="ja-JP" altLang="en-US"/>
               <a:t>マスター タイトルの書式設定</a:t>
             </a:r>
-          </a:p>
-        </p:txBody>
-      </p:sp>
-      <p:sp>
-        <p:nvSpPr>
-          <p:cNvPr id="3" name="コンテンツ プレースホルダー 2">
-            <a:extLst>
-              <a:ext uri="{FF2B5EF4-FFF2-40B4-BE49-F238E27FC236}">
-                <a16:creationId xmlns:a16="http://schemas.microsoft.com/office/drawing/2014/main" id="{4C68E259-2A30-4596-8281-0987F060C091}"/>
-              </a:ext>
-            </a:extLst>
-          </p:cNvPr>
+            <a:endParaRPr lang="en-US" dirty="0"/>
+          </a:p>
+        </p:txBody>
+      </p:sp>
+      <p:sp>
+        <p:nvSpPr>
+          <p:cNvPr id="3" name="Content Placeholder 2"/>
           <p:cNvSpPr>
             <a:spLocks noGrp="1"/>
           </p:cNvSpPr>
@@ -3138,8 +3170,8 @@
         </p:nvSpPr>
         <p:spPr>
           <a:xfrm>
-            <a:off x="838200" y="1825625"/>
-            <a:ext cx="5181600" cy="4351338"/>
+            <a:off x="1447331" y="2010878"/>
+            <a:ext cx="4645152" cy="3448595"/>
           </a:xfrm>
         </p:spPr>
         <p:txBody>
@@ -3148,81 +3180,76 @@
           <a:p>
             <a:pPr lvl="0"/>
             <a:r>
-              <a:rPr kumimoji="1" lang="ja-JP" altLang="en-US"/>
+              <a:rPr lang="ja-JP" altLang="en-US"/>
               <a:t>マスター テキストの書式設定</a:t>
             </a:r>
           </a:p>
           <a:p>
             <a:pPr lvl="1"/>
             <a:r>
-              <a:rPr kumimoji="1" lang="ja-JP" altLang="en-US"/>
+              <a:rPr lang="ja-JP" altLang="en-US"/>
               <a:t>第 </a:t>
             </a:r>
             <a:r>
-              <a:rPr kumimoji="1" lang="en-US" altLang="ja-JP"/>
+              <a:rPr lang="en-US" altLang="ja-JP"/>
               <a:t>2 </a:t>
             </a:r>
             <a:r>
-              <a:rPr kumimoji="1" lang="ja-JP" altLang="en-US"/>
+              <a:rPr lang="ja-JP" altLang="en-US"/>
               <a:t>レベル</a:t>
             </a:r>
           </a:p>
           <a:p>
             <a:pPr lvl="2"/>
             <a:r>
-              <a:rPr kumimoji="1" lang="ja-JP" altLang="en-US"/>
+              <a:rPr lang="ja-JP" altLang="en-US"/>
               <a:t>第 </a:t>
             </a:r>
             <a:r>
-              <a:rPr kumimoji="1" lang="en-US" altLang="ja-JP"/>
+              <a:rPr lang="en-US" altLang="ja-JP"/>
               <a:t>3 </a:t>
             </a:r>
             <a:r>
-              <a:rPr kumimoji="1" lang="ja-JP" altLang="en-US"/>
+              <a:rPr lang="ja-JP" altLang="en-US"/>
               <a:t>レベル</a:t>
             </a:r>
           </a:p>
           <a:p>
             <a:pPr lvl="3"/>
             <a:r>
-              <a:rPr kumimoji="1" lang="ja-JP" altLang="en-US"/>
+              <a:rPr lang="ja-JP" altLang="en-US"/>
               <a:t>第 </a:t>
             </a:r>
             <a:r>
-              <a:rPr kumimoji="1" lang="en-US" altLang="ja-JP"/>
+              <a:rPr lang="en-US" altLang="ja-JP"/>
               <a:t>4 </a:t>
             </a:r>
             <a:r>
-              <a:rPr kumimoji="1" lang="ja-JP" altLang="en-US"/>
+              <a:rPr lang="ja-JP" altLang="en-US"/>
               <a:t>レベル</a:t>
             </a:r>
           </a:p>
           <a:p>
             <a:pPr lvl="4"/>
             <a:r>
-              <a:rPr kumimoji="1" lang="ja-JP" altLang="en-US"/>
+              <a:rPr lang="ja-JP" altLang="en-US"/>
               <a:t>第 </a:t>
             </a:r>
             <a:r>
-              <a:rPr kumimoji="1" lang="en-US" altLang="ja-JP"/>
+              <a:rPr lang="en-US" altLang="ja-JP"/>
               <a:t>5 </a:t>
             </a:r>
             <a:r>
-              <a:rPr kumimoji="1" lang="ja-JP" altLang="en-US"/>
+              <a:rPr lang="ja-JP" altLang="en-US"/>
               <a:t>レベル</a:t>
             </a:r>
-          </a:p>
-        </p:txBody>
-      </p:sp>
-      <p:sp>
-        <p:nvSpPr>
-          <p:cNvPr id="4" name="コンテンツ プレースホルダー 3">
-            <a:extLst>
-              <a:ext uri="{FF2B5EF4-FFF2-40B4-BE49-F238E27FC236}">
-                <a16:creationId xmlns:a16="http://schemas.microsoft.com/office/drawing/2014/main" id="{DFD722A6-A232-4192-96A4-B15ED707CDA7}"/>
-              </a:ext>
-            </a:extLst>
-          </p:cNvPr>
+            <a:endParaRPr lang="en-US" dirty="0"/>
+          </a:p>
+        </p:txBody>
+      </p:sp>
+      <p:sp>
+        <p:nvSpPr>
+          <p:cNvPr id="4" name="Content Placeholder 3"/>
           <p:cNvSpPr>
             <a:spLocks noGrp="1"/>
           </p:cNvSpPr>
@@ -3232,8 +3259,8 @@
         </p:nvSpPr>
         <p:spPr>
           <a:xfrm>
-            <a:off x="6172200" y="1825625"/>
-            <a:ext cx="5181600" cy="4351338"/>
+            <a:off x="6413771" y="2017343"/>
+            <a:ext cx="4645152" cy="3441520"/>
           </a:xfrm>
         </p:spPr>
         <p:txBody>
@@ -3242,81 +3269,76 @@
           <a:p>
             <a:pPr lvl="0"/>
             <a:r>
-              <a:rPr kumimoji="1" lang="ja-JP" altLang="en-US"/>
+              <a:rPr lang="ja-JP" altLang="en-US"/>
               <a:t>マスター テキストの書式設定</a:t>
             </a:r>
           </a:p>
           <a:p>
             <a:pPr lvl="1"/>
             <a:r>
-              <a:rPr kumimoji="1" lang="ja-JP" altLang="en-US"/>
+              <a:rPr lang="ja-JP" altLang="en-US"/>
               <a:t>第 </a:t>
             </a:r>
             <a:r>
-              <a:rPr kumimoji="1" lang="en-US" altLang="ja-JP"/>
+              <a:rPr lang="en-US" altLang="ja-JP"/>
               <a:t>2 </a:t>
             </a:r>
             <a:r>
-              <a:rPr kumimoji="1" lang="ja-JP" altLang="en-US"/>
+              <a:rPr lang="ja-JP" altLang="en-US"/>
               <a:t>レベル</a:t>
             </a:r>
           </a:p>
           <a:p>
             <a:pPr lvl="2"/>
             <a:r>
-              <a:rPr kumimoji="1" lang="ja-JP" altLang="en-US"/>
+              <a:rPr lang="ja-JP" altLang="en-US"/>
               <a:t>第 </a:t>
             </a:r>
             <a:r>
-              <a:rPr kumimoji="1" lang="en-US" altLang="ja-JP"/>
+              <a:rPr lang="en-US" altLang="ja-JP"/>
               <a:t>3 </a:t>
             </a:r>
             <a:r>
-              <a:rPr kumimoji="1" lang="ja-JP" altLang="en-US"/>
+              <a:rPr lang="ja-JP" altLang="en-US"/>
               <a:t>レベル</a:t>
             </a:r>
           </a:p>
           <a:p>
             <a:pPr lvl="3"/>
             <a:r>
-              <a:rPr kumimoji="1" lang="ja-JP" altLang="en-US"/>
+              <a:rPr lang="ja-JP" altLang="en-US"/>
               <a:t>第 </a:t>
             </a:r>
             <a:r>
-              <a:rPr kumimoji="1" lang="en-US" altLang="ja-JP"/>
+              <a:rPr lang="en-US" altLang="ja-JP"/>
               <a:t>4 </a:t>
             </a:r>
             <a:r>
-              <a:rPr kumimoji="1" lang="ja-JP" altLang="en-US"/>
+              <a:rPr lang="ja-JP" altLang="en-US"/>
               <a:t>レベル</a:t>
             </a:r>
           </a:p>
           <a:p>
             <a:pPr lvl="4"/>
             <a:r>
-              <a:rPr kumimoji="1" lang="ja-JP" altLang="en-US"/>
+              <a:rPr lang="ja-JP" altLang="en-US"/>
               <a:t>第 </a:t>
             </a:r>
             <a:r>
-              <a:rPr kumimoji="1" lang="en-US" altLang="ja-JP"/>
+              <a:rPr lang="en-US" altLang="ja-JP"/>
               <a:t>5 </a:t>
             </a:r>
             <a:r>
-              <a:rPr kumimoji="1" lang="ja-JP" altLang="en-US"/>
+              <a:rPr lang="ja-JP" altLang="en-US"/>
               <a:t>レベル</a:t>
             </a:r>
-          </a:p>
-        </p:txBody>
-      </p:sp>
-      <p:sp>
-        <p:nvSpPr>
-          <p:cNvPr id="5" name="日付プレースホルダー 4">
-            <a:extLst>
-              <a:ext uri="{FF2B5EF4-FFF2-40B4-BE49-F238E27FC236}">
-                <a16:creationId xmlns:a16="http://schemas.microsoft.com/office/drawing/2014/main" id="{E41E329C-8567-42E0-80E0-4667785ADA19}"/>
-              </a:ext>
-            </a:extLst>
-          </p:cNvPr>
+            <a:endParaRPr lang="en-US" dirty="0"/>
+          </a:p>
+        </p:txBody>
+      </p:sp>
+      <p:sp>
+        <p:nvSpPr>
+          <p:cNvPr id="5" name="Date Placeholder 4"/>
           <p:cNvSpPr>
             <a:spLocks noGrp="1"/>
           </p:cNvSpPr>
@@ -3331,7 +3353,7 @@
           <a:p>
             <a:fld id="{43642E08-211E-42F1-B896-B15BBCEB4DD1}" type="datetimeFigureOut">
               <a:rPr kumimoji="1" lang="ja-JP" altLang="en-US" smtClean="0"/>
-              <a:t>2021/1/15</a:t>
+              <a:t>2021/1/21</a:t>
             </a:fld>
             <a:endParaRPr kumimoji="1" lang="ja-JP" altLang="en-US"/>
           </a:p>
@@ -3339,13 +3361,7 @@
       </p:sp>
       <p:sp>
         <p:nvSpPr>
-          <p:cNvPr id="6" name="フッター プレースホルダー 5">
-            <a:extLst>
-              <a:ext uri="{FF2B5EF4-FFF2-40B4-BE49-F238E27FC236}">
-                <a16:creationId xmlns:a16="http://schemas.microsoft.com/office/drawing/2014/main" id="{7554F030-CC0D-4E05-8594-51A30B02A7DF}"/>
-              </a:ext>
-            </a:extLst>
-          </p:cNvPr>
+          <p:cNvPr id="6" name="Footer Placeholder 5"/>
           <p:cNvSpPr>
             <a:spLocks noGrp="1"/>
           </p:cNvSpPr>
@@ -3364,13 +3380,7 @@
       </p:sp>
       <p:sp>
         <p:nvSpPr>
-          <p:cNvPr id="7" name="スライド番号プレースホルダー 6">
-            <a:extLst>
-              <a:ext uri="{FF2B5EF4-FFF2-40B4-BE49-F238E27FC236}">
-                <a16:creationId xmlns:a16="http://schemas.microsoft.com/office/drawing/2014/main" id="{10A19684-A996-43C2-AFF7-2F8FE6294F7E}"/>
-              </a:ext>
-            </a:extLst>
-          </p:cNvPr>
+          <p:cNvPr id="7" name="Slide Number Placeholder 6"/>
           <p:cNvSpPr>
             <a:spLocks noGrp="1"/>
           </p:cNvSpPr>
@@ -3391,10 +3401,41 @@
           </a:p>
         </p:txBody>
       </p:sp>
+      <p:cxnSp>
+        <p:nvCxnSpPr>
+          <p:cNvPr id="35" name="Straight Connector 34"/>
+          <p:cNvCxnSpPr/>
+          <p:nvPr/>
+        </p:nvCxnSpPr>
+        <p:spPr>
+          <a:xfrm>
+            <a:off x="1453896" y="1847088"/>
+            <a:ext cx="9607522" cy="0"/>
+          </a:xfrm>
+          <a:prstGeom prst="line">
+            <a:avLst/>
+          </a:prstGeom>
+          <a:ln w="31750"/>
+        </p:spPr>
+        <p:style>
+          <a:lnRef idx="3">
+            <a:schemeClr val="accent1"/>
+          </a:lnRef>
+          <a:fillRef idx="0">
+            <a:schemeClr val="accent1"/>
+          </a:fillRef>
+          <a:effectRef idx="2">
+            <a:schemeClr val="accent1"/>
+          </a:effectRef>
+          <a:fontRef idx="minor">
+            <a:schemeClr val="tx1"/>
+          </a:fontRef>
+        </p:style>
+      </p:cxnSp>
     </p:spTree>
     <p:extLst>
       <p:ext uri="{BB962C8B-B14F-4D97-AF65-F5344CB8AC3E}">
-        <p14:creationId xmlns:p14="http://schemas.microsoft.com/office/powerpoint/2010/main" val="3165132844"/>
+        <p14:creationId xmlns:p14="http://schemas.microsoft.com/office/powerpoint/2010/main" val="696115533"/>
       </p:ext>
     </p:extLst>
   </p:cSld>
@@ -3423,13 +3464,7 @@
       </p:grpSpPr>
       <p:sp>
         <p:nvSpPr>
-          <p:cNvPr id="2" name="タイトル 1">
-            <a:extLst>
-              <a:ext uri="{FF2B5EF4-FFF2-40B4-BE49-F238E27FC236}">
-                <a16:creationId xmlns:a16="http://schemas.microsoft.com/office/drawing/2014/main" id="{78E1D0E2-66CA-4671-86E7-46A8FD282F4B}"/>
-              </a:ext>
-            </a:extLst>
-          </p:cNvPr>
+          <p:cNvPr id="2" name="Title 1"/>
           <p:cNvSpPr>
             <a:spLocks noGrp="1"/>
           </p:cNvSpPr>
@@ -3439,8 +3474,8 @@
         </p:nvSpPr>
         <p:spPr>
           <a:xfrm>
-            <a:off x="839788" y="365125"/>
-            <a:ext cx="10515600" cy="1325563"/>
+            <a:off x="1447191" y="804163"/>
+            <a:ext cx="9607661" cy="1056319"/>
           </a:xfrm>
         </p:spPr>
         <p:txBody>
@@ -3448,21 +3483,16 @@
           <a:lstStyle/>
           <a:p>
             <a:r>
-              <a:rPr kumimoji="1" lang="ja-JP" altLang="en-US"/>
+              <a:rPr lang="ja-JP" altLang="en-US"/>
               <a:t>マスター タイトルの書式設定</a:t>
             </a:r>
-          </a:p>
-        </p:txBody>
-      </p:sp>
-      <p:sp>
-        <p:nvSpPr>
-          <p:cNvPr id="3" name="テキスト プレースホルダー 2">
-            <a:extLst>
-              <a:ext uri="{FF2B5EF4-FFF2-40B4-BE49-F238E27FC236}">
-                <a16:creationId xmlns:a16="http://schemas.microsoft.com/office/drawing/2014/main" id="{B10DEF58-69CC-469C-A002-D1EA0C62BDCA}"/>
-              </a:ext>
-            </a:extLst>
-          </p:cNvPr>
+            <a:endParaRPr lang="en-US" dirty="0"/>
+          </a:p>
+        </p:txBody>
+      </p:sp>
+      <p:sp>
+        <p:nvSpPr>
+          <p:cNvPr id="3" name="Text Placeholder 2"/>
           <p:cNvSpPr>
             <a:spLocks noGrp="1"/>
           </p:cNvSpPr>
@@ -3472,16 +3502,25 @@
         </p:nvSpPr>
         <p:spPr>
           <a:xfrm>
-            <a:off x="839788" y="1681163"/>
-            <a:ext cx="5157787" cy="823912"/>
+            <a:off x="1447191" y="2019549"/>
+            <a:ext cx="4645152" cy="801943"/>
           </a:xfrm>
         </p:spPr>
         <p:txBody>
-          <a:bodyPr anchor="b"/>
+          <a:bodyPr anchor="b">
+            <a:normAutofit/>
+          </a:bodyPr>
           <a:lstStyle>
             <a:lvl1pPr marL="0" indent="0">
+              <a:lnSpc>
+                <a:spcPct val="100000"/>
+              </a:lnSpc>
               <a:buNone/>
-              <a:defRPr sz="2400" b="1"/>
+              <a:defRPr sz="2200" b="0" cap="all" baseline="0">
+                <a:solidFill>
+                  <a:schemeClr val="accent1"/>
+                </a:solidFill>
+              </a:defRPr>
             </a:lvl1pPr>
             <a:lvl2pPr marL="457200" indent="0">
               <a:buNone/>
@@ -3519,7 +3558,7 @@
           <a:p>
             <a:pPr lvl="0"/>
             <a:r>
-              <a:rPr kumimoji="1" lang="ja-JP" altLang="en-US"/>
+              <a:rPr lang="ja-JP" altLang="en-US"/>
               <a:t>マスター テキストの書式設定</a:t>
             </a:r>
           </a:p>
@@ -3527,13 +3566,7 @@
       </p:sp>
       <p:sp>
         <p:nvSpPr>
-          <p:cNvPr id="4" name="コンテンツ プレースホルダー 3">
-            <a:extLst>
-              <a:ext uri="{FF2B5EF4-FFF2-40B4-BE49-F238E27FC236}">
-                <a16:creationId xmlns:a16="http://schemas.microsoft.com/office/drawing/2014/main" id="{E6A3E88C-D4B2-4BB1-BF00-B8F8F06BD624}"/>
-              </a:ext>
-            </a:extLst>
-          </p:cNvPr>
+          <p:cNvPr id="4" name="Content Placeholder 3"/>
           <p:cNvSpPr>
             <a:spLocks noGrp="1"/>
           </p:cNvSpPr>
@@ -3543,8 +3576,8 @@
         </p:nvSpPr>
         <p:spPr>
           <a:xfrm>
-            <a:off x="839788" y="2505075"/>
-            <a:ext cx="5157787" cy="3684588"/>
+            <a:off x="1447191" y="2824269"/>
+            <a:ext cx="4645152" cy="2644457"/>
           </a:xfrm>
         </p:spPr>
         <p:txBody>
@@ -3553,81 +3586,76 @@
           <a:p>
             <a:pPr lvl="0"/>
             <a:r>
-              <a:rPr kumimoji="1" lang="ja-JP" altLang="en-US"/>
+              <a:rPr lang="ja-JP" altLang="en-US"/>
               <a:t>マスター テキストの書式設定</a:t>
             </a:r>
           </a:p>
           <a:p>
             <a:pPr lvl="1"/>
             <a:r>
-              <a:rPr kumimoji="1" lang="ja-JP" altLang="en-US"/>
+              <a:rPr lang="ja-JP" altLang="en-US"/>
               <a:t>第 </a:t>
             </a:r>
             <a:r>
-              <a:rPr kumimoji="1" lang="en-US" altLang="ja-JP"/>
+              <a:rPr lang="en-US" altLang="ja-JP"/>
               <a:t>2 </a:t>
             </a:r>
             <a:r>
-              <a:rPr kumimoji="1" lang="ja-JP" altLang="en-US"/>
+              <a:rPr lang="ja-JP" altLang="en-US"/>
               <a:t>レベル</a:t>
             </a:r>
           </a:p>
           <a:p>
             <a:pPr lvl="2"/>
             <a:r>
-              <a:rPr kumimoji="1" lang="ja-JP" altLang="en-US"/>
+              <a:rPr lang="ja-JP" altLang="en-US"/>
               <a:t>第 </a:t>
             </a:r>
             <a:r>
-              <a:rPr kumimoji="1" lang="en-US" altLang="ja-JP"/>
+              <a:rPr lang="en-US" altLang="ja-JP"/>
               <a:t>3 </a:t>
             </a:r>
             <a:r>
-              <a:rPr kumimoji="1" lang="ja-JP" altLang="en-US"/>
+              <a:rPr lang="ja-JP" altLang="en-US"/>
               <a:t>レベル</a:t>
             </a:r>
           </a:p>
           <a:p>
             <a:pPr lvl="3"/>
             <a:r>
-              <a:rPr kumimoji="1" lang="ja-JP" altLang="en-US"/>
+              <a:rPr lang="ja-JP" altLang="en-US"/>
               <a:t>第 </a:t>
             </a:r>
             <a:r>
-              <a:rPr kumimoji="1" lang="en-US" altLang="ja-JP"/>
+              <a:rPr lang="en-US" altLang="ja-JP"/>
               <a:t>4 </a:t>
             </a:r>
             <a:r>
-              <a:rPr kumimoji="1" lang="ja-JP" altLang="en-US"/>
+              <a:rPr lang="ja-JP" altLang="en-US"/>
               <a:t>レベル</a:t>
             </a:r>
           </a:p>
           <a:p>
             <a:pPr lvl="4"/>
             <a:r>
-              <a:rPr kumimoji="1" lang="ja-JP" altLang="en-US"/>
+              <a:rPr lang="ja-JP" altLang="en-US"/>
               <a:t>第 </a:t>
             </a:r>
             <a:r>
-              <a:rPr kumimoji="1" lang="en-US" altLang="ja-JP"/>
+              <a:rPr lang="en-US" altLang="ja-JP"/>
               <a:t>5 </a:t>
             </a:r>
             <a:r>
-              <a:rPr kumimoji="1" lang="ja-JP" altLang="en-US"/>
+              <a:rPr lang="ja-JP" altLang="en-US"/>
               <a:t>レベル</a:t>
             </a:r>
-          </a:p>
-        </p:txBody>
-      </p:sp>
-      <p:sp>
-        <p:nvSpPr>
-          <p:cNvPr id="5" name="テキスト プレースホルダー 4">
-            <a:extLst>
-              <a:ext uri="{FF2B5EF4-FFF2-40B4-BE49-F238E27FC236}">
-                <a16:creationId xmlns:a16="http://schemas.microsoft.com/office/drawing/2014/main" id="{2969CC4A-D707-4B8C-AB34-ADDC1F4EEA42}"/>
-              </a:ext>
-            </a:extLst>
-          </p:cNvPr>
+            <a:endParaRPr lang="en-US" dirty="0"/>
+          </a:p>
+        </p:txBody>
+      </p:sp>
+      <p:sp>
+        <p:nvSpPr>
+          <p:cNvPr id="5" name="Text Placeholder 4"/>
           <p:cNvSpPr>
             <a:spLocks noGrp="1"/>
           </p:cNvSpPr>
@@ -3637,16 +3665,25 @@
         </p:nvSpPr>
         <p:spPr>
           <a:xfrm>
-            <a:off x="6172200" y="1681163"/>
-            <a:ext cx="5183188" cy="823912"/>
+            <a:off x="6412362" y="2023003"/>
+            <a:ext cx="4645152" cy="802237"/>
           </a:xfrm>
         </p:spPr>
         <p:txBody>
-          <a:bodyPr anchor="b"/>
+          <a:bodyPr anchor="b">
+            <a:normAutofit/>
+          </a:bodyPr>
           <a:lstStyle>
             <a:lvl1pPr marL="0" indent="0">
+              <a:lnSpc>
+                <a:spcPct val="100000"/>
+              </a:lnSpc>
               <a:buNone/>
-              <a:defRPr sz="2400" b="1"/>
+              <a:defRPr sz="2200" b="0" cap="all" baseline="0">
+                <a:solidFill>
+                  <a:schemeClr val="accent1"/>
+                </a:solidFill>
+              </a:defRPr>
             </a:lvl1pPr>
             <a:lvl2pPr marL="457200" indent="0">
               <a:buNone/>
@@ -3684,7 +3721,7 @@
           <a:p>
             <a:pPr lvl="0"/>
             <a:r>
-              <a:rPr kumimoji="1" lang="ja-JP" altLang="en-US"/>
+              <a:rPr lang="ja-JP" altLang="en-US"/>
               <a:t>マスター テキストの書式設定</a:t>
             </a:r>
           </a:p>
@@ -3692,13 +3729,7 @@
       </p:sp>
       <p:sp>
         <p:nvSpPr>
-          <p:cNvPr id="6" name="コンテンツ プレースホルダー 5">
-            <a:extLst>
-              <a:ext uri="{FF2B5EF4-FFF2-40B4-BE49-F238E27FC236}">
-                <a16:creationId xmlns:a16="http://schemas.microsoft.com/office/drawing/2014/main" id="{2E0BC74F-ACD3-4CCE-89E7-8F71EF99E71A}"/>
-              </a:ext>
-            </a:extLst>
-          </p:cNvPr>
+          <p:cNvPr id="6" name="Content Placeholder 5"/>
           <p:cNvSpPr>
             <a:spLocks noGrp="1"/>
           </p:cNvSpPr>
@@ -3708,8 +3739,8 @@
         </p:nvSpPr>
         <p:spPr>
           <a:xfrm>
-            <a:off x="6172200" y="2505075"/>
-            <a:ext cx="5183188" cy="3684588"/>
+            <a:off x="6412362" y="2821491"/>
+            <a:ext cx="4645152" cy="2637371"/>
           </a:xfrm>
         </p:spPr>
         <p:txBody>
@@ -3718,81 +3749,76 @@
           <a:p>
             <a:pPr lvl="0"/>
             <a:r>
-              <a:rPr kumimoji="1" lang="ja-JP" altLang="en-US"/>
+              <a:rPr lang="ja-JP" altLang="en-US"/>
               <a:t>マスター テキストの書式設定</a:t>
             </a:r>
           </a:p>
           <a:p>
             <a:pPr lvl="1"/>
             <a:r>
-              <a:rPr kumimoji="1" lang="ja-JP" altLang="en-US"/>
+              <a:rPr lang="ja-JP" altLang="en-US"/>
               <a:t>第 </a:t>
             </a:r>
             <a:r>
-              <a:rPr kumimoji="1" lang="en-US" altLang="ja-JP"/>
+              <a:rPr lang="en-US" altLang="ja-JP"/>
               <a:t>2 </a:t>
             </a:r>
             <a:r>
-              <a:rPr kumimoji="1" lang="ja-JP" altLang="en-US"/>
+              <a:rPr lang="ja-JP" altLang="en-US"/>
               <a:t>レベル</a:t>
             </a:r>
           </a:p>
           <a:p>
             <a:pPr lvl="2"/>
             <a:r>
-              <a:rPr kumimoji="1" lang="ja-JP" altLang="en-US"/>
+              <a:rPr lang="ja-JP" altLang="en-US"/>
               <a:t>第 </a:t>
             </a:r>
             <a:r>
-              <a:rPr kumimoji="1" lang="en-US" altLang="ja-JP"/>
+              <a:rPr lang="en-US" altLang="ja-JP"/>
               <a:t>3 </a:t>
             </a:r>
             <a:r>
-              <a:rPr kumimoji="1" lang="ja-JP" altLang="en-US"/>
+              <a:rPr lang="ja-JP" altLang="en-US"/>
               <a:t>レベル</a:t>
             </a:r>
           </a:p>
           <a:p>
             <a:pPr lvl="3"/>
             <a:r>
-              <a:rPr kumimoji="1" lang="ja-JP" altLang="en-US"/>
+              <a:rPr lang="ja-JP" altLang="en-US"/>
               <a:t>第 </a:t>
             </a:r>
             <a:r>
-              <a:rPr kumimoji="1" lang="en-US" altLang="ja-JP"/>
+              <a:rPr lang="en-US" altLang="ja-JP"/>
               <a:t>4 </a:t>
             </a:r>
             <a:r>
-              <a:rPr kumimoji="1" lang="ja-JP" altLang="en-US"/>
+              <a:rPr lang="ja-JP" altLang="en-US"/>
               <a:t>レベル</a:t>
             </a:r>
           </a:p>
           <a:p>
             <a:pPr lvl="4"/>
             <a:r>
-              <a:rPr kumimoji="1" lang="ja-JP" altLang="en-US"/>
+              <a:rPr lang="ja-JP" altLang="en-US"/>
               <a:t>第 </a:t>
             </a:r>
             <a:r>
-              <a:rPr kumimoji="1" lang="en-US" altLang="ja-JP"/>
+              <a:rPr lang="en-US" altLang="ja-JP"/>
               <a:t>5 </a:t>
             </a:r>
             <a:r>
-              <a:rPr kumimoji="1" lang="ja-JP" altLang="en-US"/>
+              <a:rPr lang="ja-JP" altLang="en-US"/>
               <a:t>レベル</a:t>
             </a:r>
-          </a:p>
-        </p:txBody>
-      </p:sp>
-      <p:sp>
-        <p:nvSpPr>
-          <p:cNvPr id="7" name="日付プレースホルダー 6">
-            <a:extLst>
-              <a:ext uri="{FF2B5EF4-FFF2-40B4-BE49-F238E27FC236}">
-                <a16:creationId xmlns:a16="http://schemas.microsoft.com/office/drawing/2014/main" id="{344A9100-917E-4B21-BE98-45341F5AA7C0}"/>
-              </a:ext>
-            </a:extLst>
-          </p:cNvPr>
+            <a:endParaRPr lang="en-US" dirty="0"/>
+          </a:p>
+        </p:txBody>
+      </p:sp>
+      <p:sp>
+        <p:nvSpPr>
+          <p:cNvPr id="7" name="Date Placeholder 6"/>
           <p:cNvSpPr>
             <a:spLocks noGrp="1"/>
           </p:cNvSpPr>
@@ -3807,7 +3833,7 @@
           <a:p>
             <a:fld id="{43642E08-211E-42F1-B896-B15BBCEB4DD1}" type="datetimeFigureOut">
               <a:rPr kumimoji="1" lang="ja-JP" altLang="en-US" smtClean="0"/>
-              <a:t>2021/1/15</a:t>
+              <a:t>2021/1/21</a:t>
             </a:fld>
             <a:endParaRPr kumimoji="1" lang="ja-JP" altLang="en-US"/>
           </a:p>
@@ -3815,13 +3841,7 @@
       </p:sp>
       <p:sp>
         <p:nvSpPr>
-          <p:cNvPr id="8" name="フッター プレースホルダー 7">
-            <a:extLst>
-              <a:ext uri="{FF2B5EF4-FFF2-40B4-BE49-F238E27FC236}">
-                <a16:creationId xmlns:a16="http://schemas.microsoft.com/office/drawing/2014/main" id="{461C1675-5743-47AF-92AF-373A36013233}"/>
-              </a:ext>
-            </a:extLst>
-          </p:cNvPr>
+          <p:cNvPr id="8" name="Footer Placeholder 7"/>
           <p:cNvSpPr>
             <a:spLocks noGrp="1"/>
           </p:cNvSpPr>
@@ -3840,13 +3860,7 @@
       </p:sp>
       <p:sp>
         <p:nvSpPr>
-          <p:cNvPr id="9" name="スライド番号プレースホルダー 8">
-            <a:extLst>
-              <a:ext uri="{FF2B5EF4-FFF2-40B4-BE49-F238E27FC236}">
-                <a16:creationId xmlns:a16="http://schemas.microsoft.com/office/drawing/2014/main" id="{B3E6A31F-E3A6-4A67-A9E5-C924BF14F1F2}"/>
-              </a:ext>
-            </a:extLst>
-          </p:cNvPr>
+          <p:cNvPr id="9" name="Slide Number Placeholder 8"/>
           <p:cNvSpPr>
             <a:spLocks noGrp="1"/>
           </p:cNvSpPr>
@@ -3867,10 +3881,41 @@
           </a:p>
         </p:txBody>
       </p:sp>
+      <p:cxnSp>
+        <p:nvCxnSpPr>
+          <p:cNvPr id="29" name="Straight Connector 28"/>
+          <p:cNvCxnSpPr/>
+          <p:nvPr/>
+        </p:nvCxnSpPr>
+        <p:spPr>
+          <a:xfrm>
+            <a:off x="1453896" y="1847088"/>
+            <a:ext cx="9607522" cy="0"/>
+          </a:xfrm>
+          <a:prstGeom prst="line">
+            <a:avLst/>
+          </a:prstGeom>
+          <a:ln w="31750"/>
+        </p:spPr>
+        <p:style>
+          <a:lnRef idx="3">
+            <a:schemeClr val="accent1"/>
+          </a:lnRef>
+          <a:fillRef idx="0">
+            <a:schemeClr val="accent1"/>
+          </a:fillRef>
+          <a:effectRef idx="2">
+            <a:schemeClr val="accent1"/>
+          </a:effectRef>
+          <a:fontRef idx="minor">
+            <a:schemeClr val="tx1"/>
+          </a:fontRef>
+        </p:style>
+      </p:cxnSp>
     </p:spTree>
     <p:extLst>
       <p:ext uri="{BB962C8B-B14F-4D97-AF65-F5344CB8AC3E}">
-        <p14:creationId xmlns:p14="http://schemas.microsoft.com/office/powerpoint/2010/main" val="2739632090"/>
+        <p14:creationId xmlns:p14="http://schemas.microsoft.com/office/powerpoint/2010/main" val="395304309"/>
       </p:ext>
     </p:extLst>
   </p:cSld>
@@ -3899,13 +3944,7 @@
       </p:grpSpPr>
       <p:sp>
         <p:nvSpPr>
-          <p:cNvPr id="2" name="タイトル 1">
-            <a:extLst>
-              <a:ext uri="{FF2B5EF4-FFF2-40B4-BE49-F238E27FC236}">
-                <a16:creationId xmlns:a16="http://schemas.microsoft.com/office/drawing/2014/main" id="{91C76FAC-9D16-4AD4-A058-06D1749B5761}"/>
-              </a:ext>
-            </a:extLst>
-          </p:cNvPr>
+          <p:cNvPr id="2" name="Title 1"/>
           <p:cNvSpPr>
             <a:spLocks noGrp="1"/>
           </p:cNvSpPr>
@@ -3919,21 +3958,16 @@
           <a:lstStyle/>
           <a:p>
             <a:r>
-              <a:rPr kumimoji="1" lang="ja-JP" altLang="en-US"/>
+              <a:rPr lang="ja-JP" altLang="en-US"/>
               <a:t>マスター タイトルの書式設定</a:t>
             </a:r>
-          </a:p>
-        </p:txBody>
-      </p:sp>
-      <p:sp>
-        <p:nvSpPr>
-          <p:cNvPr id="3" name="日付プレースホルダー 2">
-            <a:extLst>
-              <a:ext uri="{FF2B5EF4-FFF2-40B4-BE49-F238E27FC236}">
-                <a16:creationId xmlns:a16="http://schemas.microsoft.com/office/drawing/2014/main" id="{9DEFC7C6-D84C-49DD-93AA-81F5B6C0E602}"/>
-              </a:ext>
-            </a:extLst>
-          </p:cNvPr>
+            <a:endParaRPr lang="en-US" dirty="0"/>
+          </a:p>
+        </p:txBody>
+      </p:sp>
+      <p:sp>
+        <p:nvSpPr>
+          <p:cNvPr id="3" name="Date Placeholder 2"/>
           <p:cNvSpPr>
             <a:spLocks noGrp="1"/>
           </p:cNvSpPr>
@@ -3948,7 +3982,7 @@
           <a:p>
             <a:fld id="{43642E08-211E-42F1-B896-B15BBCEB4DD1}" type="datetimeFigureOut">
               <a:rPr kumimoji="1" lang="ja-JP" altLang="en-US" smtClean="0"/>
-              <a:t>2021/1/15</a:t>
+              <a:t>2021/1/21</a:t>
             </a:fld>
             <a:endParaRPr kumimoji="1" lang="ja-JP" altLang="en-US"/>
           </a:p>
@@ -3956,13 +3990,7 @@
       </p:sp>
       <p:sp>
         <p:nvSpPr>
-          <p:cNvPr id="4" name="フッター プレースホルダー 3">
-            <a:extLst>
-              <a:ext uri="{FF2B5EF4-FFF2-40B4-BE49-F238E27FC236}">
-                <a16:creationId xmlns:a16="http://schemas.microsoft.com/office/drawing/2014/main" id="{E5802DDF-FB37-4E99-A7D3-CDC865F66CDB}"/>
-              </a:ext>
-            </a:extLst>
-          </p:cNvPr>
+          <p:cNvPr id="4" name="Footer Placeholder 3"/>
           <p:cNvSpPr>
             <a:spLocks noGrp="1"/>
           </p:cNvSpPr>
@@ -3981,13 +4009,7 @@
       </p:sp>
       <p:sp>
         <p:nvSpPr>
-          <p:cNvPr id="5" name="スライド番号プレースホルダー 4">
-            <a:extLst>
-              <a:ext uri="{FF2B5EF4-FFF2-40B4-BE49-F238E27FC236}">
-                <a16:creationId xmlns:a16="http://schemas.microsoft.com/office/drawing/2014/main" id="{BA7752A8-A342-4095-8946-697D033F346C}"/>
-              </a:ext>
-            </a:extLst>
-          </p:cNvPr>
+          <p:cNvPr id="5" name="Slide Number Placeholder 4"/>
           <p:cNvSpPr>
             <a:spLocks noGrp="1"/>
           </p:cNvSpPr>
@@ -4008,10 +4030,41 @@
           </a:p>
         </p:txBody>
       </p:sp>
+      <p:cxnSp>
+        <p:nvCxnSpPr>
+          <p:cNvPr id="25" name="Straight Connector 24"/>
+          <p:cNvCxnSpPr/>
+          <p:nvPr/>
+        </p:nvCxnSpPr>
+        <p:spPr>
+          <a:xfrm>
+            <a:off x="1453896" y="1847088"/>
+            <a:ext cx="9607522" cy="0"/>
+          </a:xfrm>
+          <a:prstGeom prst="line">
+            <a:avLst/>
+          </a:prstGeom>
+          <a:ln w="31750"/>
+        </p:spPr>
+        <p:style>
+          <a:lnRef idx="3">
+            <a:schemeClr val="accent1"/>
+          </a:lnRef>
+          <a:fillRef idx="0">
+            <a:schemeClr val="accent1"/>
+          </a:fillRef>
+          <a:effectRef idx="2">
+            <a:schemeClr val="accent1"/>
+          </a:effectRef>
+          <a:fontRef idx="minor">
+            <a:schemeClr val="tx1"/>
+          </a:fontRef>
+        </p:style>
+      </p:cxnSp>
     </p:spTree>
     <p:extLst>
       <p:ext uri="{BB962C8B-B14F-4D97-AF65-F5344CB8AC3E}">
-        <p14:creationId xmlns:p14="http://schemas.microsoft.com/office/powerpoint/2010/main" val="3226217265"/>
+        <p14:creationId xmlns:p14="http://schemas.microsoft.com/office/powerpoint/2010/main" val="3041170117"/>
       </p:ext>
     </p:extLst>
   </p:cSld>
@@ -4040,13 +4093,7 @@
       </p:grpSpPr>
       <p:sp>
         <p:nvSpPr>
-          <p:cNvPr id="2" name="日付プレースホルダー 1">
-            <a:extLst>
-              <a:ext uri="{FF2B5EF4-FFF2-40B4-BE49-F238E27FC236}">
-                <a16:creationId xmlns:a16="http://schemas.microsoft.com/office/drawing/2014/main" id="{965712F1-25B7-4C57-A52F-AA1145C4FA26}"/>
-              </a:ext>
-            </a:extLst>
-          </p:cNvPr>
+          <p:cNvPr id="2" name="Date Placeholder 1"/>
           <p:cNvSpPr>
             <a:spLocks noGrp="1"/>
           </p:cNvSpPr>
@@ -4061,7 +4108,7 @@
           <a:p>
             <a:fld id="{43642E08-211E-42F1-B896-B15BBCEB4DD1}" type="datetimeFigureOut">
               <a:rPr kumimoji="1" lang="ja-JP" altLang="en-US" smtClean="0"/>
-              <a:t>2021/1/15</a:t>
+              <a:t>2021/1/21</a:t>
             </a:fld>
             <a:endParaRPr kumimoji="1" lang="ja-JP" altLang="en-US"/>
           </a:p>
@@ -4069,13 +4116,7 @@
       </p:sp>
       <p:sp>
         <p:nvSpPr>
-          <p:cNvPr id="3" name="フッター プレースホルダー 2">
-            <a:extLst>
-              <a:ext uri="{FF2B5EF4-FFF2-40B4-BE49-F238E27FC236}">
-                <a16:creationId xmlns:a16="http://schemas.microsoft.com/office/drawing/2014/main" id="{B3F22501-C6AD-4640-8998-81C9F0130361}"/>
-              </a:ext>
-            </a:extLst>
-          </p:cNvPr>
+          <p:cNvPr id="3" name="Footer Placeholder 2"/>
           <p:cNvSpPr>
             <a:spLocks noGrp="1"/>
           </p:cNvSpPr>
@@ -4094,13 +4135,7 @@
       </p:sp>
       <p:sp>
         <p:nvSpPr>
-          <p:cNvPr id="4" name="スライド番号プレースホルダー 3">
-            <a:extLst>
-              <a:ext uri="{FF2B5EF4-FFF2-40B4-BE49-F238E27FC236}">
-                <a16:creationId xmlns:a16="http://schemas.microsoft.com/office/drawing/2014/main" id="{F16D9BCF-CFFA-466E-ADEB-4385D4B81CE4}"/>
-              </a:ext>
-            </a:extLst>
-          </p:cNvPr>
+          <p:cNvPr id="4" name="Slide Number Placeholder 3"/>
           <p:cNvSpPr>
             <a:spLocks noGrp="1"/>
           </p:cNvSpPr>
@@ -4124,7 +4159,7 @@
     </p:spTree>
     <p:extLst>
       <p:ext uri="{BB962C8B-B14F-4D97-AF65-F5344CB8AC3E}">
-        <p14:creationId xmlns:p14="http://schemas.microsoft.com/office/powerpoint/2010/main" val="1784127658"/>
+        <p14:creationId xmlns:p14="http://schemas.microsoft.com/office/powerpoint/2010/main" val="656233961"/>
       </p:ext>
     </p:extLst>
   </p:cSld>
@@ -4153,13 +4188,7 @@
       </p:grpSpPr>
       <p:sp>
         <p:nvSpPr>
-          <p:cNvPr id="2" name="タイトル 1">
-            <a:extLst>
-              <a:ext uri="{FF2B5EF4-FFF2-40B4-BE49-F238E27FC236}">
-                <a16:creationId xmlns:a16="http://schemas.microsoft.com/office/drawing/2014/main" id="{54F97406-FA4D-42EE-B095-4E79A3CD0192}"/>
-              </a:ext>
-            </a:extLst>
-          </p:cNvPr>
+          <p:cNvPr id="2" name="Title 1"/>
           <p:cNvSpPr>
             <a:spLocks noGrp="1"/>
           </p:cNvSpPr>
@@ -4169,34 +4198,31 @@
         </p:nvSpPr>
         <p:spPr>
           <a:xfrm>
-            <a:off x="839788" y="457200"/>
-            <a:ext cx="3932237" cy="1600200"/>
+            <a:off x="1444671" y="798973"/>
+            <a:ext cx="3273099" cy="2247117"/>
           </a:xfrm>
         </p:spPr>
         <p:txBody>
-          <a:bodyPr anchor="b"/>
+          <a:bodyPr anchor="b">
+            <a:normAutofit/>
+          </a:bodyPr>
           <a:lstStyle>
-            <a:lvl1pPr>
-              <a:defRPr sz="3200"/>
+            <a:lvl1pPr algn="l">
+              <a:defRPr sz="2400"/>
             </a:lvl1pPr>
           </a:lstStyle>
           <a:p>
             <a:r>
-              <a:rPr kumimoji="1" lang="ja-JP" altLang="en-US"/>
+              <a:rPr lang="ja-JP" altLang="en-US"/>
               <a:t>マスター タイトルの書式設定</a:t>
             </a:r>
-          </a:p>
-        </p:txBody>
-      </p:sp>
-      <p:sp>
-        <p:nvSpPr>
-          <p:cNvPr id="3" name="コンテンツ プレースホルダー 2">
-            <a:extLst>
-              <a:ext uri="{FF2B5EF4-FFF2-40B4-BE49-F238E27FC236}">
-                <a16:creationId xmlns:a16="http://schemas.microsoft.com/office/drawing/2014/main" id="{B5D6B8D4-F55B-4B01-9FE1-05FA6C3140E2}"/>
-              </a:ext>
-            </a:extLst>
-          </p:cNvPr>
+            <a:endParaRPr lang="en-US" dirty="0"/>
+          </a:p>
+        </p:txBody>
+      </p:sp>
+      <p:sp>
+        <p:nvSpPr>
+          <p:cNvPr id="3" name="Content Placeholder 2"/>
           <p:cNvSpPr>
             <a:spLocks noGrp="1"/>
           </p:cNvSpPr>
@@ -4206,136 +4232,103 @@
         </p:nvSpPr>
         <p:spPr>
           <a:xfrm>
-            <a:off x="5183188" y="987425"/>
-            <a:ext cx="6172200" cy="4873625"/>
+            <a:off x="5043714" y="798974"/>
+            <a:ext cx="6012470" cy="4658826"/>
+          </a:xfrm>
+        </p:spPr>
+        <p:txBody>
+          <a:bodyPr anchor="ctr"/>
+          <a:lstStyle/>
+          <a:p>
+            <a:pPr lvl="0"/>
+            <a:r>
+              <a:rPr lang="ja-JP" altLang="en-US"/>
+              <a:t>マスター テキストの書式設定</a:t>
+            </a:r>
+          </a:p>
+          <a:p>
+            <a:pPr lvl="1"/>
+            <a:r>
+              <a:rPr lang="ja-JP" altLang="en-US"/>
+              <a:t>第 </a:t>
+            </a:r>
+            <a:r>
+              <a:rPr lang="en-US" altLang="ja-JP"/>
+              <a:t>2 </a:t>
+            </a:r>
+            <a:r>
+              <a:rPr lang="ja-JP" altLang="en-US"/>
+              <a:t>レベル</a:t>
+            </a:r>
+          </a:p>
+          <a:p>
+            <a:pPr lvl="2"/>
+            <a:r>
+              <a:rPr lang="ja-JP" altLang="en-US"/>
+              <a:t>第 </a:t>
+            </a:r>
+            <a:r>
+              <a:rPr lang="en-US" altLang="ja-JP"/>
+              <a:t>3 </a:t>
+            </a:r>
+            <a:r>
+              <a:rPr lang="ja-JP" altLang="en-US"/>
+              <a:t>レベル</a:t>
+            </a:r>
+          </a:p>
+          <a:p>
+            <a:pPr lvl="3"/>
+            <a:r>
+              <a:rPr lang="ja-JP" altLang="en-US"/>
+              <a:t>第 </a:t>
+            </a:r>
+            <a:r>
+              <a:rPr lang="en-US" altLang="ja-JP"/>
+              <a:t>4 </a:t>
+            </a:r>
+            <a:r>
+              <a:rPr lang="ja-JP" altLang="en-US"/>
+              <a:t>レベル</a:t>
+            </a:r>
+          </a:p>
+          <a:p>
+            <a:pPr lvl="4"/>
+            <a:r>
+              <a:rPr lang="ja-JP" altLang="en-US"/>
+              <a:t>第 </a:t>
+            </a:r>
+            <a:r>
+              <a:rPr lang="en-US" altLang="ja-JP"/>
+              <a:t>5 </a:t>
+            </a:r>
+            <a:r>
+              <a:rPr lang="ja-JP" altLang="en-US"/>
+              <a:t>レベル</a:t>
+            </a:r>
+            <a:endParaRPr lang="en-US" dirty="0"/>
+          </a:p>
+        </p:txBody>
+      </p:sp>
+      <p:sp>
+        <p:nvSpPr>
+          <p:cNvPr id="4" name="Text Placeholder 3"/>
+          <p:cNvSpPr>
+            <a:spLocks noGrp="1"/>
+          </p:cNvSpPr>
+          <p:nvPr>
+            <p:ph type="body" sz="half" idx="2"/>
+          </p:nvPr>
+        </p:nvSpPr>
+        <p:spPr>
+          <a:xfrm>
+            <a:off x="1444671" y="3205491"/>
+            <a:ext cx="3275013" cy="2248181"/>
           </a:xfrm>
         </p:spPr>
         <p:txBody>
           <a:bodyPr/>
           <a:lstStyle>
-            <a:lvl1pPr>
-              <a:defRPr sz="3200"/>
-            </a:lvl1pPr>
-            <a:lvl2pPr>
-              <a:defRPr sz="2800"/>
-            </a:lvl2pPr>
-            <a:lvl3pPr>
-              <a:defRPr sz="2400"/>
-            </a:lvl3pPr>
-            <a:lvl4pPr>
-              <a:defRPr sz="2000"/>
-            </a:lvl4pPr>
-            <a:lvl5pPr>
-              <a:defRPr sz="2000"/>
-            </a:lvl5pPr>
-            <a:lvl6pPr>
-              <a:defRPr sz="2000"/>
-            </a:lvl6pPr>
-            <a:lvl7pPr>
-              <a:defRPr sz="2000"/>
-            </a:lvl7pPr>
-            <a:lvl8pPr>
-              <a:defRPr sz="2000"/>
-            </a:lvl8pPr>
-            <a:lvl9pPr>
-              <a:defRPr sz="2000"/>
-            </a:lvl9pPr>
-          </a:lstStyle>
-          <a:p>
-            <a:pPr lvl="0"/>
-            <a:r>
-              <a:rPr kumimoji="1" lang="ja-JP" altLang="en-US"/>
-              <a:t>マスター テキストの書式設定</a:t>
-            </a:r>
-          </a:p>
-          <a:p>
-            <a:pPr lvl="1"/>
-            <a:r>
-              <a:rPr kumimoji="1" lang="ja-JP" altLang="en-US"/>
-              <a:t>第 </a:t>
-            </a:r>
-            <a:r>
-              <a:rPr kumimoji="1" lang="en-US" altLang="ja-JP"/>
-              <a:t>2 </a:t>
-            </a:r>
-            <a:r>
-              <a:rPr kumimoji="1" lang="ja-JP" altLang="en-US"/>
-              <a:t>レベル</a:t>
-            </a:r>
-          </a:p>
-          <a:p>
-            <a:pPr lvl="2"/>
-            <a:r>
-              <a:rPr kumimoji="1" lang="ja-JP" altLang="en-US"/>
-              <a:t>第 </a:t>
-            </a:r>
-            <a:r>
-              <a:rPr kumimoji="1" lang="en-US" altLang="ja-JP"/>
-              <a:t>3 </a:t>
-            </a:r>
-            <a:r>
-              <a:rPr kumimoji="1" lang="ja-JP" altLang="en-US"/>
-              <a:t>レベル</a:t>
-            </a:r>
-          </a:p>
-          <a:p>
-            <a:pPr lvl="3"/>
-            <a:r>
-              <a:rPr kumimoji="1" lang="ja-JP" altLang="en-US"/>
-              <a:t>第 </a:t>
-            </a:r>
-            <a:r>
-              <a:rPr kumimoji="1" lang="en-US" altLang="ja-JP"/>
-              <a:t>4 </a:t>
-            </a:r>
-            <a:r>
-              <a:rPr kumimoji="1" lang="ja-JP" altLang="en-US"/>
-              <a:t>レベル</a:t>
-            </a:r>
-          </a:p>
-          <a:p>
-            <a:pPr lvl="4"/>
-            <a:r>
-              <a:rPr kumimoji="1" lang="ja-JP" altLang="en-US"/>
-              <a:t>第 </a:t>
-            </a:r>
-            <a:r>
-              <a:rPr kumimoji="1" lang="en-US" altLang="ja-JP"/>
-              <a:t>5 </a:t>
-            </a:r>
-            <a:r>
-              <a:rPr kumimoji="1" lang="ja-JP" altLang="en-US"/>
-              <a:t>レベル</a:t>
-            </a:r>
-          </a:p>
-        </p:txBody>
-      </p:sp>
-      <p:sp>
-        <p:nvSpPr>
-          <p:cNvPr id="4" name="テキスト プレースホルダー 3">
-            <a:extLst>
-              <a:ext uri="{FF2B5EF4-FFF2-40B4-BE49-F238E27FC236}">
-                <a16:creationId xmlns:a16="http://schemas.microsoft.com/office/drawing/2014/main" id="{203D7D4D-110D-4F7C-894E-8A80D1436354}"/>
-              </a:ext>
-            </a:extLst>
-          </p:cNvPr>
-          <p:cNvSpPr>
-            <a:spLocks noGrp="1"/>
-          </p:cNvSpPr>
-          <p:nvPr>
-            <p:ph type="body" sz="half" idx="2"/>
-          </p:nvPr>
-        </p:nvSpPr>
-        <p:spPr>
-          <a:xfrm>
-            <a:off x="839788" y="2057400"/>
-            <a:ext cx="3932237" cy="3811588"/>
-          </a:xfrm>
-        </p:spPr>
-        <p:txBody>
-          <a:bodyPr/>
-          <a:lstStyle>
-            <a:lvl1pPr marL="0" indent="0">
+            <a:lvl1pPr marL="0" indent="0" algn="l">
               <a:buNone/>
               <a:defRPr sz="1600"/>
             </a:lvl1pPr>
@@ -4375,7 +4368,7 @@
           <a:p>
             <a:pPr lvl="0"/>
             <a:r>
-              <a:rPr kumimoji="1" lang="ja-JP" altLang="en-US"/>
+              <a:rPr lang="ja-JP" altLang="en-US"/>
               <a:t>マスター テキストの書式設定</a:t>
             </a:r>
           </a:p>
@@ -4383,13 +4376,7 @@
       </p:sp>
       <p:sp>
         <p:nvSpPr>
-          <p:cNvPr id="5" name="日付プレースホルダー 4">
-            <a:extLst>
-              <a:ext uri="{FF2B5EF4-FFF2-40B4-BE49-F238E27FC236}">
-                <a16:creationId xmlns:a16="http://schemas.microsoft.com/office/drawing/2014/main" id="{D298E882-BB42-41C1-B78D-C654F06FA81E}"/>
-              </a:ext>
-            </a:extLst>
-          </p:cNvPr>
+          <p:cNvPr id="5" name="Date Placeholder 4"/>
           <p:cNvSpPr>
             <a:spLocks noGrp="1"/>
           </p:cNvSpPr>
@@ -4404,7 +4391,7 @@
           <a:p>
             <a:fld id="{43642E08-211E-42F1-B896-B15BBCEB4DD1}" type="datetimeFigureOut">
               <a:rPr kumimoji="1" lang="ja-JP" altLang="en-US" smtClean="0"/>
-              <a:t>2021/1/15</a:t>
+              <a:t>2021/1/21</a:t>
             </a:fld>
             <a:endParaRPr kumimoji="1" lang="ja-JP" altLang="en-US"/>
           </a:p>
@@ -4412,13 +4399,7 @@
       </p:sp>
       <p:sp>
         <p:nvSpPr>
-          <p:cNvPr id="6" name="フッター プレースホルダー 5">
-            <a:extLst>
-              <a:ext uri="{FF2B5EF4-FFF2-40B4-BE49-F238E27FC236}">
-                <a16:creationId xmlns:a16="http://schemas.microsoft.com/office/drawing/2014/main" id="{64F2BEA1-F633-4C72-AF5D-72983677594F}"/>
-              </a:ext>
-            </a:extLst>
-          </p:cNvPr>
+          <p:cNvPr id="6" name="Footer Placeholder 5"/>
           <p:cNvSpPr>
             <a:spLocks noGrp="1"/>
           </p:cNvSpPr>
@@ -4437,13 +4418,7 @@
       </p:sp>
       <p:sp>
         <p:nvSpPr>
-          <p:cNvPr id="7" name="スライド番号プレースホルダー 6">
-            <a:extLst>
-              <a:ext uri="{FF2B5EF4-FFF2-40B4-BE49-F238E27FC236}">
-                <a16:creationId xmlns:a16="http://schemas.microsoft.com/office/drawing/2014/main" id="{BA62FB02-4B5C-4D1D-9348-B924D38E946B}"/>
-              </a:ext>
-            </a:extLst>
-          </p:cNvPr>
+          <p:cNvPr id="7" name="Slide Number Placeholder 6"/>
           <p:cNvSpPr>
             <a:spLocks noGrp="1"/>
           </p:cNvSpPr>
@@ -4464,10 +4439,41 @@
           </a:p>
         </p:txBody>
       </p:sp>
+      <p:cxnSp>
+        <p:nvCxnSpPr>
+          <p:cNvPr id="17" name="Straight Connector 16"/>
+          <p:cNvCxnSpPr/>
+          <p:nvPr/>
+        </p:nvCxnSpPr>
+        <p:spPr>
+          <a:xfrm>
+            <a:off x="1448280" y="3205491"/>
+            <a:ext cx="3269490" cy="0"/>
+          </a:xfrm>
+          <a:prstGeom prst="line">
+            <a:avLst/>
+          </a:prstGeom>
+          <a:ln w="31750"/>
+        </p:spPr>
+        <p:style>
+          <a:lnRef idx="3">
+            <a:schemeClr val="accent1"/>
+          </a:lnRef>
+          <a:fillRef idx="0">
+            <a:schemeClr val="accent1"/>
+          </a:fillRef>
+          <a:effectRef idx="2">
+            <a:schemeClr val="accent1"/>
+          </a:effectRef>
+          <a:fontRef idx="minor">
+            <a:schemeClr val="tx1"/>
+          </a:fontRef>
+        </p:style>
+      </p:cxnSp>
     </p:spTree>
     <p:extLst>
       <p:ext uri="{BB962C8B-B14F-4D97-AF65-F5344CB8AC3E}">
-        <p14:creationId xmlns:p14="http://schemas.microsoft.com/office/powerpoint/2010/main" val="2515642062"/>
+        <p14:creationId xmlns:p14="http://schemas.microsoft.com/office/powerpoint/2010/main" val="1365549161"/>
       </p:ext>
     </p:extLst>
   </p:cSld>
@@ -4494,15 +4500,143 @@
           <a:chExt cx="0" cy="0"/>
         </a:xfrm>
       </p:grpSpPr>
-      <p:sp>
-        <p:nvSpPr>
-          <p:cNvPr id="2" name="タイトル 1">
-            <a:extLst>
-              <a:ext uri="{FF2B5EF4-FFF2-40B4-BE49-F238E27FC236}">
-                <a16:creationId xmlns:a16="http://schemas.microsoft.com/office/drawing/2014/main" id="{31474DA1-23BA-46D3-99A7-F306F3E828C8}"/>
-              </a:ext>
-            </a:extLst>
-          </p:cNvPr>
+      <p:grpSp>
+        <p:nvGrpSpPr>
+          <p:cNvPr id="8" name="Group 7"/>
+          <p:cNvGrpSpPr/>
+          <p:nvPr/>
+        </p:nvGrpSpPr>
+        <p:grpSpPr>
+          <a:xfrm>
+            <a:off x="7477387" y="482170"/>
+            <a:ext cx="4074533" cy="5149101"/>
+            <a:chOff x="7477387" y="482170"/>
+            <a:chExt cx="4074533" cy="5149101"/>
+          </a:xfrm>
+        </p:grpSpPr>
+        <p:sp>
+          <p:nvSpPr>
+            <p:cNvPr id="18" name="Rectangle 17"/>
+            <p:cNvSpPr/>
+            <p:nvPr/>
+          </p:nvSpPr>
+          <p:spPr bwMode="black">
+            <a:xfrm>
+              <a:off x="7477387" y="482170"/>
+              <a:ext cx="4074533" cy="5149101"/>
+            </a:xfrm>
+            <a:prstGeom prst="rect">
+              <a:avLst/>
+            </a:prstGeom>
+            <a:gradFill>
+              <a:gsLst>
+                <a:gs pos="0">
+                  <a:srgbClr val="000001"/>
+                </a:gs>
+                <a:gs pos="100000">
+                  <a:srgbClr val="191919"/>
+                </a:gs>
+              </a:gsLst>
+            </a:gradFill>
+            <a:ln w="76200" cmpd="sng">
+              <a:noFill/>
+              <a:miter lim="800000"/>
+            </a:ln>
+            <a:effectLst>
+              <a:outerShdw blurRad="127000" dist="228600" dir="4740000" sx="98000" sy="98000" algn="tl" rotWithShape="0">
+                <a:srgbClr val="000000">
+                  <a:alpha val="34000"/>
+                </a:srgbClr>
+              </a:outerShdw>
+            </a:effectLst>
+            <a:scene3d>
+              <a:camera prst="orthographicFront"/>
+              <a:lightRig rig="threePt" dir="t"/>
+            </a:scene3d>
+            <a:sp3d>
+              <a:bevelT w="152400" h="50800" prst="softRound"/>
+            </a:sp3d>
+          </p:spPr>
+          <p:style>
+            <a:lnRef idx="1">
+              <a:schemeClr val="accent1"/>
+            </a:lnRef>
+            <a:fillRef idx="3">
+              <a:schemeClr val="accent1"/>
+            </a:fillRef>
+            <a:effectRef idx="2">
+              <a:schemeClr val="accent1"/>
+            </a:effectRef>
+            <a:fontRef idx="minor">
+              <a:schemeClr val="lt1"/>
+            </a:fontRef>
+          </p:style>
+        </p:sp>
+        <p:sp>
+          <p:nvSpPr>
+            <p:cNvPr id="19" name="Rectangle 18"/>
+            <p:cNvSpPr/>
+            <p:nvPr/>
+          </p:nvSpPr>
+          <p:spPr bwMode="blackWhite">
+            <a:xfrm>
+              <a:off x="7790446" y="812506"/>
+              <a:ext cx="3450289" cy="4466452"/>
+            </a:xfrm>
+            <a:prstGeom prst="rect">
+              <a:avLst/>
+            </a:prstGeom>
+            <a:gradFill>
+              <a:gsLst>
+                <a:gs pos="0">
+                  <a:srgbClr val="DADADA"/>
+                </a:gs>
+                <a:gs pos="100000">
+                  <a:srgbClr val="FFFFFE"/>
+                </a:gs>
+              </a:gsLst>
+              <a:lin ang="16200000" scaled="0"/>
+            </a:gradFill>
+            <a:ln w="50800" cmpd="sng">
+              <a:solidFill>
+                <a:srgbClr val="191919"/>
+              </a:solidFill>
+              <a:miter lim="800000"/>
+            </a:ln>
+            <a:effectLst>
+              <a:innerShdw blurRad="63500" dist="88900" dir="14100000">
+                <a:srgbClr val="000000">
+                  <a:alpha val="30000"/>
+                </a:srgbClr>
+              </a:innerShdw>
+            </a:effectLst>
+            <a:scene3d>
+              <a:camera prst="orthographicFront"/>
+              <a:lightRig rig="threePt" dir="t"/>
+            </a:scene3d>
+            <a:sp3d>
+              <a:bevelT prst="relaxedInset"/>
+            </a:sp3d>
+          </p:spPr>
+          <p:style>
+            <a:lnRef idx="1">
+              <a:schemeClr val="accent1"/>
+            </a:lnRef>
+            <a:fillRef idx="3">
+              <a:schemeClr val="accent1"/>
+            </a:fillRef>
+            <a:effectRef idx="2">
+              <a:schemeClr val="accent1"/>
+            </a:effectRef>
+            <a:fontRef idx="minor">
+              <a:schemeClr val="lt1"/>
+            </a:fontRef>
+          </p:style>
+        </p:sp>
+      </p:grpSp>
+      <p:sp>
+        <p:nvSpPr>
+          <p:cNvPr id="2" name="Title 1"/>
           <p:cNvSpPr>
             <a:spLocks noGrp="1"/>
           </p:cNvSpPr>
@@ -4512,12 +4646,14 @@
         </p:nvSpPr>
         <p:spPr>
           <a:xfrm>
-            <a:off x="839788" y="457200"/>
-            <a:ext cx="3932237" cy="1600200"/>
+            <a:off x="1451206" y="1129513"/>
+            <a:ext cx="5532328" cy="1830584"/>
           </a:xfrm>
         </p:spPr>
         <p:txBody>
-          <a:bodyPr anchor="b"/>
+          <a:bodyPr anchor="b">
+            <a:normAutofit/>
+          </a:bodyPr>
           <a:lstStyle>
             <a:lvl1pPr>
               <a:defRPr sz="3200"/>
@@ -4525,23 +4661,18 @@
           </a:lstStyle>
           <a:p>
             <a:r>
-              <a:rPr kumimoji="1" lang="ja-JP" altLang="en-US"/>
+              <a:rPr lang="ja-JP" altLang="en-US"/>
               <a:t>マスター タイトルの書式設定</a:t>
             </a:r>
-          </a:p>
-        </p:txBody>
-      </p:sp>
-      <p:sp>
-        <p:nvSpPr>
-          <p:cNvPr id="3" name="図プレースホルダー 2">
-            <a:extLst>
-              <a:ext uri="{FF2B5EF4-FFF2-40B4-BE49-F238E27FC236}">
-                <a16:creationId xmlns:a16="http://schemas.microsoft.com/office/drawing/2014/main" id="{EAF2B82A-C30C-4BE7-91D3-841DC8B892CC}"/>
-              </a:ext>
-            </a:extLst>
-          </p:cNvPr>
-          <p:cNvSpPr>
-            <a:spLocks noGrp="1"/>
+            <a:endParaRPr lang="en-US" dirty="0"/>
+          </a:p>
+        </p:txBody>
+      </p:sp>
+      <p:sp>
+        <p:nvSpPr>
+          <p:cNvPr id="3" name="Picture Placeholder 2"/>
+          <p:cNvSpPr>
+            <a:spLocks noGrp="1" noChangeAspect="1"/>
           </p:cNvSpPr>
           <p:nvPr>
             <p:ph type="pic" idx="1"/>
@@ -4549,14 +4680,24 @@
         </p:nvSpPr>
         <p:spPr>
           <a:xfrm>
-            <a:off x="5183188" y="987425"/>
-            <a:ext cx="6172200" cy="4873625"/>
-          </a:xfrm>
+            <a:off x="8124389" y="1122542"/>
+            <a:ext cx="2791171" cy="3866327"/>
+          </a:xfrm>
+          <a:solidFill>
+            <a:schemeClr val="bg1">
+              <a:lumMod val="85000"/>
+            </a:schemeClr>
+          </a:solidFill>
+          <a:ln w="9525" cap="sq">
+            <a:noFill/>
+            <a:miter lim="800000"/>
+          </a:ln>
+          <a:effectLst/>
         </p:spPr>
         <p:txBody>
-          <a:bodyPr/>
+          <a:bodyPr anchor="t"/>
           <a:lstStyle>
-            <a:lvl1pPr marL="0" indent="0">
+            <a:lvl1pPr marL="0" indent="0" algn="ctr">
               <a:buNone/>
               <a:defRPr sz="3200"/>
             </a:lvl1pPr>
@@ -4594,19 +4735,17 @@
             </a:lvl9pPr>
           </a:lstStyle>
           <a:p>
-            <a:endParaRPr kumimoji="1" lang="ja-JP" altLang="en-US"/>
-          </a:p>
-        </p:txBody>
-      </p:sp>
-      <p:sp>
-        <p:nvSpPr>
-          <p:cNvPr id="4" name="テキスト プレースホルダー 3">
-            <a:extLst>
-              <a:ext uri="{FF2B5EF4-FFF2-40B4-BE49-F238E27FC236}">
-                <a16:creationId xmlns:a16="http://schemas.microsoft.com/office/drawing/2014/main" id="{94676FD1-294A-4C57-80CD-ABFD23E5C572}"/>
-              </a:ext>
-            </a:extLst>
-          </p:cNvPr>
+            <a:r>
+              <a:rPr lang="ja-JP" altLang="en-US"/>
+              <a:t>アイコンをクリックして図を追加</a:t>
+            </a:r>
+            <a:endParaRPr lang="en-US" dirty="0"/>
+          </a:p>
+        </p:txBody>
+      </p:sp>
+      <p:sp>
+        <p:nvSpPr>
+          <p:cNvPr id="4" name="Text Placeholder 3"/>
           <p:cNvSpPr>
             <a:spLocks noGrp="1"/>
           </p:cNvSpPr>
@@ -4616,16 +4755,18 @@
         </p:nvSpPr>
         <p:spPr>
           <a:xfrm>
-            <a:off x="839788" y="2057400"/>
-            <a:ext cx="3932237" cy="3811588"/>
+            <a:off x="1450329" y="3145992"/>
+            <a:ext cx="5524404" cy="2003742"/>
           </a:xfrm>
         </p:spPr>
         <p:txBody>
-          <a:bodyPr/>
+          <a:bodyPr>
+            <a:normAutofit/>
+          </a:bodyPr>
           <a:lstStyle>
-            <a:lvl1pPr marL="0" indent="0">
+            <a:lvl1pPr marL="0" indent="0" algn="l">
               <a:buNone/>
-              <a:defRPr sz="1600"/>
+              <a:defRPr sz="1800"/>
             </a:lvl1pPr>
             <a:lvl2pPr marL="457200" indent="0">
               <a:buNone/>
@@ -4663,7 +4804,7 @@
           <a:p>
             <a:pPr lvl="0"/>
             <a:r>
-              <a:rPr kumimoji="1" lang="ja-JP" altLang="en-US"/>
+              <a:rPr lang="ja-JP" altLang="en-US"/>
               <a:t>マスター テキストの書式設定</a:t>
             </a:r>
           </a:p>
@@ -4671,13 +4812,7 @@
       </p:sp>
       <p:sp>
         <p:nvSpPr>
-          <p:cNvPr id="5" name="日付プレースホルダー 4">
-            <a:extLst>
-              <a:ext uri="{FF2B5EF4-FFF2-40B4-BE49-F238E27FC236}">
-                <a16:creationId xmlns:a16="http://schemas.microsoft.com/office/drawing/2014/main" id="{99D5289D-FB19-4FC5-9D68-928490724E30}"/>
-              </a:ext>
-            </a:extLst>
-          </p:cNvPr>
+          <p:cNvPr id="5" name="Date Placeholder 4"/>
           <p:cNvSpPr>
             <a:spLocks noGrp="1"/>
           </p:cNvSpPr>
@@ -4685,14 +4820,23 @@
             <p:ph type="dt" sz="half" idx="10"/>
           </p:nvPr>
         </p:nvSpPr>
-        <p:spPr/>
+        <p:spPr>
+          <a:xfrm>
+            <a:off x="1447382" y="5469856"/>
+            <a:ext cx="5527351" cy="320123"/>
+          </a:xfrm>
+        </p:spPr>
         <p:txBody>
           <a:bodyPr/>
-          <a:lstStyle/>
+          <a:lstStyle>
+            <a:lvl1pPr algn="l">
+              <a:defRPr/>
+            </a:lvl1pPr>
+          </a:lstStyle>
           <a:p>
             <a:fld id="{43642E08-211E-42F1-B896-B15BBCEB4DD1}" type="datetimeFigureOut">
               <a:rPr kumimoji="1" lang="ja-JP" altLang="en-US" smtClean="0"/>
-              <a:t>2021/1/15</a:t>
+              <a:t>2021/1/21</a:t>
             </a:fld>
             <a:endParaRPr kumimoji="1" lang="ja-JP" altLang="en-US"/>
           </a:p>
@@ -4700,13 +4844,7 @@
       </p:sp>
       <p:sp>
         <p:nvSpPr>
-          <p:cNvPr id="6" name="フッター プレースホルダー 5">
-            <a:extLst>
-              <a:ext uri="{FF2B5EF4-FFF2-40B4-BE49-F238E27FC236}">
-                <a16:creationId xmlns:a16="http://schemas.microsoft.com/office/drawing/2014/main" id="{F48DEEA4-51F8-4A93-BB0F-FDA8F5C3956C}"/>
-              </a:ext>
-            </a:extLst>
-          </p:cNvPr>
+          <p:cNvPr id="6" name="Footer Placeholder 5"/>
           <p:cNvSpPr>
             <a:spLocks noGrp="1"/>
           </p:cNvSpPr>
@@ -4714,7 +4852,12 @@
             <p:ph type="ftr" sz="quarter" idx="11"/>
           </p:nvPr>
         </p:nvSpPr>
-        <p:spPr/>
+        <p:spPr>
+          <a:xfrm>
+            <a:off x="1447382" y="318640"/>
+            <a:ext cx="5541004" cy="320931"/>
+          </a:xfrm>
+        </p:spPr>
         <p:txBody>
           <a:bodyPr/>
           <a:lstStyle/>
@@ -4725,13 +4868,7 @@
       </p:sp>
       <p:sp>
         <p:nvSpPr>
-          <p:cNvPr id="7" name="スライド番号プレースホルダー 6">
-            <a:extLst>
-              <a:ext uri="{FF2B5EF4-FFF2-40B4-BE49-F238E27FC236}">
-                <a16:creationId xmlns:a16="http://schemas.microsoft.com/office/drawing/2014/main" id="{7F20B555-ABEE-4C2F-9730-114AA8ECD9C0}"/>
-              </a:ext>
-            </a:extLst>
-          </p:cNvPr>
+          <p:cNvPr id="7" name="Slide Number Placeholder 6"/>
           <p:cNvSpPr>
             <a:spLocks noGrp="1"/>
           </p:cNvSpPr>
@@ -4752,10 +4889,41 @@
           </a:p>
         </p:txBody>
       </p:sp>
+      <p:cxnSp>
+        <p:nvCxnSpPr>
+          <p:cNvPr id="31" name="Straight Connector 30"/>
+          <p:cNvCxnSpPr/>
+          <p:nvPr/>
+        </p:nvCxnSpPr>
+        <p:spPr>
+          <a:xfrm>
+            <a:off x="1447382" y="3143605"/>
+            <a:ext cx="5527351" cy="0"/>
+          </a:xfrm>
+          <a:prstGeom prst="line">
+            <a:avLst/>
+          </a:prstGeom>
+          <a:ln w="31750"/>
+        </p:spPr>
+        <p:style>
+          <a:lnRef idx="3">
+            <a:schemeClr val="accent1"/>
+          </a:lnRef>
+          <a:fillRef idx="0">
+            <a:schemeClr val="accent1"/>
+          </a:fillRef>
+          <a:effectRef idx="2">
+            <a:schemeClr val="accent1"/>
+          </a:effectRef>
+          <a:fontRef idx="minor">
+            <a:schemeClr val="tx1"/>
+          </a:fontRef>
+        </p:style>
+      </p:cxnSp>
     </p:spTree>
     <p:extLst>
       <p:ext uri="{BB962C8B-B14F-4D97-AF65-F5344CB8AC3E}">
-        <p14:creationId xmlns:p14="http://schemas.microsoft.com/office/powerpoint/2010/main" val="415014467"/>
+        <p14:creationId xmlns:p14="http://schemas.microsoft.com/office/powerpoint/2010/main" val="2233695247"/>
       </p:ext>
     </p:extLst>
   </p:cSld>
@@ -4769,8 +4937,8 @@
 <p:sldMaster xmlns:a="http://schemas.openxmlformats.org/drawingml/2006/main" xmlns:r="http://schemas.openxmlformats.org/officeDocument/2006/relationships" xmlns:p="http://schemas.openxmlformats.org/presentationml/2006/main">
   <p:cSld>
     <p:bg>
-      <p:bgRef idx="1001">
-        <a:schemeClr val="bg1"/>
+      <p:bgRef idx="1003">
+        <a:schemeClr val="bg2"/>
       </p:bgRef>
     </p:bg>
     <p:spTree>
@@ -4789,171 +4957,233 @@
       </p:grpSpPr>
       <p:sp>
         <p:nvSpPr>
-          <p:cNvPr id="2" name="タイトル プレースホルダー 1">
+          <p:cNvPr id="8" name="Rectangle 7"/>
+          <p:cNvSpPr/>
+          <p:nvPr/>
+        </p:nvSpPr>
+        <p:spPr>
+          <a:xfrm>
+            <a:off x="0" y="2019476"/>
+            <a:ext cx="12192000" cy="4105941"/>
+          </a:xfrm>
+          <a:prstGeom prst="rect">
+            <a:avLst/>
+          </a:prstGeom>
+          <a:gradFill flip="none" rotWithShape="1">
+            <a:gsLst>
+              <a:gs pos="0">
+                <a:schemeClr val="bg2">
+                  <a:alpha val="0"/>
+                </a:schemeClr>
+              </a:gs>
+              <a:gs pos="100000">
+                <a:schemeClr val="bg2"/>
+              </a:gs>
+            </a:gsLst>
+            <a:lin ang="5400000" scaled="0"/>
+            <a:tileRect/>
+          </a:gradFill>
+          <a:ln>
+            <a:noFill/>
+          </a:ln>
+        </p:spPr>
+        <p:style>
+          <a:lnRef idx="2">
+            <a:schemeClr val="accent1">
+              <a:shade val="50000"/>
+            </a:schemeClr>
+          </a:lnRef>
+          <a:fillRef idx="1">
+            <a:schemeClr val="accent1"/>
+          </a:fillRef>
+          <a:effectRef idx="0">
+            <a:schemeClr val="accent1"/>
+          </a:effectRef>
+          <a:fontRef idx="minor">
+            <a:schemeClr val="lt1"/>
+          </a:fontRef>
+        </p:style>
+      </p:sp>
+      <p:pic>
+        <p:nvPicPr>
+          <p:cNvPr id="7" name="Picture 6"/>
+          <p:cNvPicPr>
+            <a:picLocks noChangeAspect="1"/>
+          </p:cNvPicPr>
+          <p:nvPr/>
+        </p:nvPicPr>
+        <p:blipFill rotWithShape="1">
+          <a:blip r:embed="rId13">
             <a:extLst>
-              <a:ext uri="{FF2B5EF4-FFF2-40B4-BE49-F238E27FC236}">
-                <a16:creationId xmlns:a16="http://schemas.microsoft.com/office/drawing/2014/main" id="{B1E3979A-D266-4A2B-8851-9ABC8875B550}"/>
+              <a:ext uri="{28A0092B-C50C-407E-A947-70E740481C1C}">
+                <a14:useLocalDpi xmlns:a14="http://schemas.microsoft.com/office/drawing/2010/main" val="0"/>
               </a:ext>
             </a:extLst>
-          </p:cNvPr>
-          <p:cNvSpPr>
-            <a:spLocks noGrp="1"/>
-          </p:cNvSpPr>
-          <p:nvPr>
-            <p:ph type="title"/>
-          </p:nvPr>
-        </p:nvSpPr>
-        <p:spPr>
-          <a:xfrm>
-            <a:off x="838200" y="365125"/>
-            <a:ext cx="10515600" cy="1325563"/>
+          </a:blip>
+          <a:srcRect t="1538" b="-1538"/>
+          <a:stretch/>
+        </p:blipFill>
+        <p:spPr bwMode="black">
+          <a:xfrm>
+            <a:off x="0" y="6126480"/>
+            <a:ext cx="12192000" cy="742950"/>
           </a:xfrm>
           <a:prstGeom prst="rect">
             <a:avLst/>
           </a:prstGeom>
         </p:spPr>
-        <p:txBody>
-          <a:bodyPr vert="horz" lIns="91440" tIns="45720" rIns="91440" bIns="45720" rtlCol="0" anchor="ctr">
-            <a:normAutofit/>
-          </a:bodyPr>
-          <a:lstStyle/>
-          <a:p>
-            <a:r>
-              <a:rPr kumimoji="1" lang="ja-JP" altLang="en-US"/>
-              <a:t>マスター タイトルの書式設定</a:t>
-            </a:r>
-          </a:p>
-        </p:txBody>
-      </p:sp>
-      <p:sp>
-        <p:nvSpPr>
-          <p:cNvPr id="3" name="テキスト プレースホルダー 2">
-            <a:extLst>
-              <a:ext uri="{FF2B5EF4-FFF2-40B4-BE49-F238E27FC236}">
-                <a16:creationId xmlns:a16="http://schemas.microsoft.com/office/drawing/2014/main" id="{FCD7C1B8-DDE4-49CB-BE4A-69679B409CDD}"/>
-              </a:ext>
-            </a:extLst>
-          </p:cNvPr>
-          <p:cNvSpPr>
-            <a:spLocks noGrp="1"/>
-          </p:cNvSpPr>
-          <p:nvPr>
-            <p:ph type="body" idx="1"/>
+      </p:pic>
+      <p:sp>
+        <p:nvSpPr>
+          <p:cNvPr id="2" name="Title Placeholder 1"/>
+          <p:cNvSpPr>
+            <a:spLocks noGrp="1"/>
+          </p:cNvSpPr>
+          <p:nvPr>
+            <p:ph type="title"/>
           </p:nvPr>
         </p:nvSpPr>
         <p:spPr>
           <a:xfrm>
-            <a:off x="838200" y="1825625"/>
-            <a:ext cx="10515600" cy="4351338"/>
+            <a:off x="1451579" y="804519"/>
+            <a:ext cx="9603275" cy="1049235"/>
           </a:xfrm>
           <a:prstGeom prst="rect">
             <a:avLst/>
           </a:prstGeom>
         </p:spPr>
         <p:txBody>
-          <a:bodyPr vert="horz" lIns="91440" tIns="45720" rIns="91440" bIns="45720" rtlCol="0">
+          <a:bodyPr vert="horz" lIns="91440" tIns="45720" rIns="91440" bIns="45720" rtlCol="0" anchor="t">
             <a:normAutofit/>
           </a:bodyPr>
           <a:lstStyle/>
           <a:p>
-            <a:pPr lvl="0"/>
-            <a:r>
-              <a:rPr kumimoji="1" lang="ja-JP" altLang="en-US"/>
-              <a:t>マスター テキストの書式設定</a:t>
-            </a:r>
-          </a:p>
-          <a:p>
-            <a:pPr lvl="1"/>
-            <a:r>
-              <a:rPr kumimoji="1" lang="ja-JP" altLang="en-US"/>
-              <a:t>第 </a:t>
-            </a:r>
-            <a:r>
-              <a:rPr kumimoji="1" lang="en-US" altLang="ja-JP"/>
-              <a:t>2 </a:t>
-            </a:r>
-            <a:r>
-              <a:rPr kumimoji="1" lang="ja-JP" altLang="en-US"/>
-              <a:t>レベル</a:t>
-            </a:r>
-          </a:p>
-          <a:p>
-            <a:pPr lvl="2"/>
-            <a:r>
-              <a:rPr kumimoji="1" lang="ja-JP" altLang="en-US"/>
-              <a:t>第 </a:t>
-            </a:r>
-            <a:r>
-              <a:rPr kumimoji="1" lang="en-US" altLang="ja-JP"/>
-              <a:t>3 </a:t>
-            </a:r>
-            <a:r>
-              <a:rPr kumimoji="1" lang="ja-JP" altLang="en-US"/>
-              <a:t>レベル</a:t>
-            </a:r>
-          </a:p>
-          <a:p>
-            <a:pPr lvl="3"/>
-            <a:r>
-              <a:rPr kumimoji="1" lang="ja-JP" altLang="en-US"/>
-              <a:t>第 </a:t>
-            </a:r>
-            <a:r>
-              <a:rPr kumimoji="1" lang="en-US" altLang="ja-JP"/>
-              <a:t>4 </a:t>
-            </a:r>
-            <a:r>
-              <a:rPr kumimoji="1" lang="ja-JP" altLang="en-US"/>
-              <a:t>レベル</a:t>
-            </a:r>
-          </a:p>
-          <a:p>
-            <a:pPr lvl="4"/>
-            <a:r>
-              <a:rPr kumimoji="1" lang="ja-JP" altLang="en-US"/>
-              <a:t>第 </a:t>
-            </a:r>
-            <a:r>
-              <a:rPr kumimoji="1" lang="en-US" altLang="ja-JP"/>
-              <a:t>5 </a:t>
-            </a:r>
-            <a:r>
-              <a:rPr kumimoji="1" lang="ja-JP" altLang="en-US"/>
-              <a:t>レベル</a:t>
-            </a:r>
-          </a:p>
-        </p:txBody>
-      </p:sp>
-      <p:sp>
-        <p:nvSpPr>
-          <p:cNvPr id="4" name="日付プレースホルダー 3">
-            <a:extLst>
-              <a:ext uri="{FF2B5EF4-FFF2-40B4-BE49-F238E27FC236}">
-                <a16:creationId xmlns:a16="http://schemas.microsoft.com/office/drawing/2014/main" id="{33CC73F3-FA3A-418B-8EF1-160B4AE51A19}"/>
-              </a:ext>
-            </a:extLst>
-          </p:cNvPr>
-          <p:cNvSpPr>
-            <a:spLocks noGrp="1"/>
-          </p:cNvSpPr>
-          <p:nvPr>
-            <p:ph type="dt" sz="half" idx="2"/>
+            <a:r>
+              <a:rPr lang="ja-JP" altLang="en-US"/>
+              <a:t>マスター タイトルの書式設定</a:t>
+            </a:r>
+            <a:endParaRPr lang="en-US" dirty="0"/>
+          </a:p>
+        </p:txBody>
+      </p:sp>
+      <p:sp>
+        <p:nvSpPr>
+          <p:cNvPr id="3" name="Text Placeholder 2"/>
+          <p:cNvSpPr>
+            <a:spLocks noGrp="1"/>
+          </p:cNvSpPr>
+          <p:nvPr>
+            <p:ph type="body" idx="1"/>
           </p:nvPr>
         </p:nvSpPr>
         <p:spPr>
           <a:xfrm>
-            <a:off x="838200" y="6356350"/>
-            <a:ext cx="2743200" cy="365125"/>
+            <a:off x="1451579" y="2015732"/>
+            <a:ext cx="9603275" cy="3450613"/>
           </a:xfrm>
           <a:prstGeom prst="rect">
             <a:avLst/>
           </a:prstGeom>
         </p:spPr>
         <p:txBody>
+          <a:bodyPr vert="horz" lIns="91440" tIns="45720" rIns="91440" bIns="45720" rtlCol="0">
+            <a:normAutofit/>
+          </a:bodyPr>
+          <a:lstStyle/>
+          <a:p>
+            <a:pPr lvl="0"/>
+            <a:r>
+              <a:rPr lang="ja-JP" altLang="en-US"/>
+              <a:t>マスター テキストの書式設定</a:t>
+            </a:r>
+          </a:p>
+          <a:p>
+            <a:pPr lvl="1"/>
+            <a:r>
+              <a:rPr lang="ja-JP" altLang="en-US"/>
+              <a:t>第 </a:t>
+            </a:r>
+            <a:r>
+              <a:rPr lang="en-US" altLang="ja-JP"/>
+              <a:t>2 </a:t>
+            </a:r>
+            <a:r>
+              <a:rPr lang="ja-JP" altLang="en-US"/>
+              <a:t>レベル</a:t>
+            </a:r>
+          </a:p>
+          <a:p>
+            <a:pPr lvl="2"/>
+            <a:r>
+              <a:rPr lang="ja-JP" altLang="en-US"/>
+              <a:t>第 </a:t>
+            </a:r>
+            <a:r>
+              <a:rPr lang="en-US" altLang="ja-JP"/>
+              <a:t>3 </a:t>
+            </a:r>
+            <a:r>
+              <a:rPr lang="ja-JP" altLang="en-US"/>
+              <a:t>レベル</a:t>
+            </a:r>
+          </a:p>
+          <a:p>
+            <a:pPr lvl="3"/>
+            <a:r>
+              <a:rPr lang="ja-JP" altLang="en-US"/>
+              <a:t>第 </a:t>
+            </a:r>
+            <a:r>
+              <a:rPr lang="en-US" altLang="ja-JP"/>
+              <a:t>4 </a:t>
+            </a:r>
+            <a:r>
+              <a:rPr lang="ja-JP" altLang="en-US"/>
+              <a:t>レベル</a:t>
+            </a:r>
+          </a:p>
+          <a:p>
+            <a:pPr lvl="4"/>
+            <a:r>
+              <a:rPr lang="ja-JP" altLang="en-US"/>
+              <a:t>第 </a:t>
+            </a:r>
+            <a:r>
+              <a:rPr lang="en-US" altLang="ja-JP"/>
+              <a:t>5 </a:t>
+            </a:r>
+            <a:r>
+              <a:rPr lang="ja-JP" altLang="en-US"/>
+              <a:t>レベル</a:t>
+            </a:r>
+            <a:endParaRPr lang="en-US" dirty="0"/>
+          </a:p>
+        </p:txBody>
+      </p:sp>
+      <p:sp>
+        <p:nvSpPr>
+          <p:cNvPr id="4" name="Date Placeholder 3"/>
+          <p:cNvSpPr>
+            <a:spLocks noGrp="1"/>
+          </p:cNvSpPr>
+          <p:nvPr>
+            <p:ph type="dt" sz="half" idx="2"/>
+          </p:nvPr>
+        </p:nvSpPr>
+        <p:spPr>
+          <a:xfrm>
+            <a:off x="7554138" y="330370"/>
+            <a:ext cx="3500715" cy="309201"/>
+          </a:xfrm>
+          <a:prstGeom prst="rect">
+            <a:avLst/>
+          </a:prstGeom>
+        </p:spPr>
+        <p:txBody>
           <a:bodyPr vert="horz" lIns="91440" tIns="45720" rIns="91440" bIns="45720" rtlCol="0" anchor="ctr"/>
           <a:lstStyle>
-            <a:lvl1pPr algn="l">
-              <a:defRPr sz="1200">
+            <a:lvl1pPr algn="r">
+              <a:defRPr sz="1000">
                 <a:solidFill>
                   <a:schemeClr val="tx1">
                     <a:tint val="75000"/>
@@ -4965,7 +5195,7 @@
           <a:p>
             <a:fld id="{43642E08-211E-42F1-B896-B15BBCEB4DD1}" type="datetimeFigureOut">
               <a:rPr kumimoji="1" lang="ja-JP" altLang="en-US" smtClean="0"/>
-              <a:t>2021/1/15</a:t>
+              <a:t>2021/1/21</a:t>
             </a:fld>
             <a:endParaRPr kumimoji="1" lang="ja-JP" altLang="en-US"/>
           </a:p>
@@ -4973,13 +5203,7 @@
       </p:sp>
       <p:sp>
         <p:nvSpPr>
-          <p:cNvPr id="5" name="フッター プレースホルダー 4">
-            <a:extLst>
-              <a:ext uri="{FF2B5EF4-FFF2-40B4-BE49-F238E27FC236}">
-                <a16:creationId xmlns:a16="http://schemas.microsoft.com/office/drawing/2014/main" id="{9C62CB10-8314-4048-AD5E-BF695E2C5DAB}"/>
-              </a:ext>
-            </a:extLst>
-          </p:cNvPr>
+          <p:cNvPr id="5" name="Footer Placeholder 4"/>
           <p:cNvSpPr>
             <a:spLocks noGrp="1"/>
           </p:cNvSpPr>
@@ -4989,8 +5213,8 @@
         </p:nvSpPr>
         <p:spPr>
           <a:xfrm>
-            <a:off x="4038600" y="6356350"/>
-            <a:ext cx="4114800" cy="365125"/>
+            <a:off x="1451579" y="329307"/>
+            <a:ext cx="5938836" cy="309201"/>
           </a:xfrm>
           <a:prstGeom prst="rect">
             <a:avLst/>
@@ -4999,8 +5223,8 @@
         <p:txBody>
           <a:bodyPr vert="horz" lIns="91440" tIns="45720" rIns="91440" bIns="45720" rtlCol="0" anchor="ctr"/>
           <a:lstStyle>
-            <a:lvl1pPr algn="ctr">
-              <a:defRPr sz="1200">
+            <a:lvl1pPr algn="l">
+              <a:defRPr sz="1000">
                 <a:solidFill>
                   <a:schemeClr val="tx1">
                     <a:tint val="75000"/>
@@ -5016,13 +5240,7 @@
       </p:sp>
       <p:sp>
         <p:nvSpPr>
-          <p:cNvPr id="6" name="スライド番号プレースホルダー 5">
-            <a:extLst>
-              <a:ext uri="{FF2B5EF4-FFF2-40B4-BE49-F238E27FC236}">
-                <a16:creationId xmlns:a16="http://schemas.microsoft.com/office/drawing/2014/main" id="{92BA78A7-8924-475B-8411-E618C9CBB9CC}"/>
-              </a:ext>
-            </a:extLst>
-          </p:cNvPr>
+          <p:cNvPr id="6" name="Slide Number Placeholder 5"/>
           <p:cNvSpPr>
             <a:spLocks noGrp="1"/>
           </p:cNvSpPr>
@@ -5032,22 +5250,20 @@
         </p:nvSpPr>
         <p:spPr>
           <a:xfrm>
-            <a:off x="8610600" y="6356350"/>
-            <a:ext cx="2743200" cy="365125"/>
+            <a:off x="480060" y="798973"/>
+            <a:ext cx="811019" cy="503578"/>
           </a:xfrm>
           <a:prstGeom prst="rect">
             <a:avLst/>
           </a:prstGeom>
         </p:spPr>
         <p:txBody>
-          <a:bodyPr vert="horz" lIns="91440" tIns="45720" rIns="91440" bIns="45720" rtlCol="0" anchor="ctr"/>
+          <a:bodyPr vert="horz" lIns="91440" tIns="45720" rIns="91440" bIns="45720" rtlCol="0" anchor="t"/>
           <a:lstStyle>
             <a:lvl1pPr algn="r">
-              <a:defRPr sz="1200">
+              <a:defRPr sz="2800">
                 <a:solidFill>
-                  <a:schemeClr val="tx1">
-                    <a:tint val="75000"/>
-                  </a:schemeClr>
+                  <a:schemeClr val="accent1"/>
                 </a:solidFill>
               </a:defRPr>
             </a:lvl1pPr>
@@ -5061,26 +5277,63 @@
           </a:p>
         </p:txBody>
       </p:sp>
+      <p:cxnSp>
+        <p:nvCxnSpPr>
+          <p:cNvPr id="10" name="Straight Connector 9"/>
+          <p:cNvCxnSpPr/>
+          <p:nvPr/>
+        </p:nvCxnSpPr>
+        <p:spPr>
+          <a:xfrm>
+            <a:off x="0" y="6128413"/>
+            <a:ext cx="12192000" cy="0"/>
+          </a:xfrm>
+          <a:prstGeom prst="line">
+            <a:avLst/>
+          </a:prstGeom>
+          <a:ln w="12700">
+            <a:solidFill>
+              <a:srgbClr val="000001">
+                <a:alpha val="20000"/>
+              </a:srgbClr>
+            </a:solidFill>
+          </a:ln>
+        </p:spPr>
+        <p:style>
+          <a:lnRef idx="1">
+            <a:schemeClr val="accent1"/>
+          </a:lnRef>
+          <a:fillRef idx="0">
+            <a:schemeClr val="accent1"/>
+          </a:fillRef>
+          <a:effectRef idx="0">
+            <a:schemeClr val="accent1"/>
+          </a:effectRef>
+          <a:fontRef idx="minor">
+            <a:schemeClr val="tx1"/>
+          </a:fontRef>
+        </p:style>
+      </p:cxnSp>
     </p:spTree>
     <p:extLst>
       <p:ext uri="{BB962C8B-B14F-4D97-AF65-F5344CB8AC3E}">
-        <p14:creationId xmlns:p14="http://schemas.microsoft.com/office/powerpoint/2010/main" val="3843333372"/>
+        <p14:creationId xmlns:p14="http://schemas.microsoft.com/office/powerpoint/2010/main" val="2520068816"/>
       </p:ext>
     </p:extLst>
   </p:cSld>
   <p:clrMap bg1="lt1" tx1="dk1" bg2="lt2" tx2="dk2" accent1="accent1" accent2="accent2" accent3="accent3" accent4="accent4" accent5="accent5" accent6="accent6" hlink="hlink" folHlink="folHlink"/>
   <p:sldLayoutIdLst>
-    <p:sldLayoutId id="2147483678" r:id="rId1"/>
-    <p:sldLayoutId id="2147483679" r:id="rId2"/>
-    <p:sldLayoutId id="2147483680" r:id="rId3"/>
-    <p:sldLayoutId id="2147483681" r:id="rId4"/>
-    <p:sldLayoutId id="2147483682" r:id="rId5"/>
-    <p:sldLayoutId id="2147483683" r:id="rId6"/>
-    <p:sldLayoutId id="2147483684" r:id="rId7"/>
-    <p:sldLayoutId id="2147483685" r:id="rId8"/>
-    <p:sldLayoutId id="2147483686" r:id="rId9"/>
-    <p:sldLayoutId id="2147483687" r:id="rId10"/>
-    <p:sldLayoutId id="2147483688" r:id="rId11"/>
+    <p:sldLayoutId id="2147483690" r:id="rId1"/>
+    <p:sldLayoutId id="2147483691" r:id="rId2"/>
+    <p:sldLayoutId id="2147483692" r:id="rId3"/>
+    <p:sldLayoutId id="2147483693" r:id="rId4"/>
+    <p:sldLayoutId id="2147483694" r:id="rId5"/>
+    <p:sldLayoutId id="2147483695" r:id="rId6"/>
+    <p:sldLayoutId id="2147483696" r:id="rId7"/>
+    <p:sldLayoutId id="2147483697" r:id="rId8"/>
+    <p:sldLayoutId id="2147483698" r:id="rId9"/>
+    <p:sldLayoutId id="2147483699" r:id="rId10"/>
+    <p:sldLayoutId id="2147483700" r:id="rId11"/>
   </p:sldLayoutIdLst>
   <p:txStyles>
     <p:titleStyle>
@@ -5092,10 +5345,11 @@
           <a:spcPct val="0"/>
         </a:spcBef>
         <a:buNone/>
-        <a:defRPr kumimoji="1" sz="4400" kern="1200">
+        <a:defRPr kumimoji="1" sz="3200" b="0" i="0" kern="1200" cap="all">
           <a:solidFill>
             <a:schemeClr val="tx1"/>
           </a:solidFill>
+          <a:effectLst/>
           <a:latin typeface="+mj-lt"/>
           <a:ea typeface="+mj-ea"/>
           <a:cs typeface="+mj-cs"/>
@@ -5105,17 +5359,22 @@
     <p:bodyStyle>
       <a:lvl1pPr marL="228600" indent="-228600" algn="l" defTabSz="914400" rtl="0" eaLnBrk="1" latinLnBrk="0" hangingPunct="1">
         <a:lnSpc>
-          <a:spcPct val="90000"/>
+          <a:spcPct val="120000"/>
         </a:lnSpc>
         <a:spcBef>
           <a:spcPts val="1000"/>
         </a:spcBef>
+        <a:buClr>
+          <a:schemeClr val="accent1"/>
+        </a:buClr>
+        <a:buSzPct val="100000"/>
         <a:buFont typeface="Arial" panose="020B0604020202020204" pitchFamily="34" charset="0"/>
         <a:buChar char="•"/>
-        <a:defRPr kumimoji="1" sz="2800" kern="1200">
+        <a:defRPr kumimoji="1" sz="2000" kern="1200">
           <a:solidFill>
             <a:schemeClr val="tx1"/>
           </a:solidFill>
+          <a:effectLst/>
           <a:latin typeface="+mn-lt"/>
           <a:ea typeface="+mn-ea"/>
           <a:cs typeface="+mn-cs"/>
@@ -5123,17 +5382,22 @@
       </a:lvl1pPr>
       <a:lvl2pPr marL="685800" indent="-228600" algn="l" defTabSz="914400" rtl="0" eaLnBrk="1" latinLnBrk="0" hangingPunct="1">
         <a:lnSpc>
-          <a:spcPct val="90000"/>
+          <a:spcPct val="120000"/>
         </a:lnSpc>
         <a:spcBef>
           <a:spcPts val="500"/>
         </a:spcBef>
+        <a:buClr>
+          <a:schemeClr val="accent1"/>
+        </a:buClr>
+        <a:buSzPct val="100000"/>
         <a:buFont typeface="Arial" panose="020B0604020202020204" pitchFamily="34" charset="0"/>
         <a:buChar char="•"/>
-        <a:defRPr kumimoji="1" sz="2400" kern="1200">
+        <a:defRPr kumimoji="1" sz="1800" kern="1200" cap="none" baseline="0">
           <a:solidFill>
             <a:schemeClr val="tx1"/>
           </a:solidFill>
+          <a:effectLst/>
           <a:latin typeface="+mn-lt"/>
           <a:ea typeface="+mn-ea"/>
           <a:cs typeface="+mn-cs"/>
@@ -5141,17 +5405,22 @@
       </a:lvl2pPr>
       <a:lvl3pPr marL="1143000" indent="-228600" algn="l" defTabSz="914400" rtl="0" eaLnBrk="1" latinLnBrk="0" hangingPunct="1">
         <a:lnSpc>
-          <a:spcPct val="90000"/>
+          <a:spcPct val="120000"/>
         </a:lnSpc>
         <a:spcBef>
           <a:spcPts val="500"/>
         </a:spcBef>
+        <a:buClr>
+          <a:schemeClr val="accent1"/>
+        </a:buClr>
+        <a:buSzPct val="100000"/>
         <a:buFont typeface="Arial" panose="020B0604020202020204" pitchFamily="34" charset="0"/>
         <a:buChar char="•"/>
-        <a:defRPr kumimoji="1" sz="2000" kern="1200">
+        <a:defRPr kumimoji="1" sz="1600" kern="1200">
           <a:solidFill>
             <a:schemeClr val="tx1"/>
           </a:solidFill>
+          <a:effectLst/>
           <a:latin typeface="+mn-lt"/>
           <a:ea typeface="+mn-ea"/>
           <a:cs typeface="+mn-cs"/>
@@ -5159,17 +5428,22 @@
       </a:lvl3pPr>
       <a:lvl4pPr marL="1600200" indent="-228600" algn="l" defTabSz="914400" rtl="0" eaLnBrk="1" latinLnBrk="0" hangingPunct="1">
         <a:lnSpc>
-          <a:spcPct val="90000"/>
+          <a:spcPct val="120000"/>
         </a:lnSpc>
         <a:spcBef>
           <a:spcPts val="500"/>
         </a:spcBef>
+        <a:buClr>
+          <a:schemeClr val="accent1"/>
+        </a:buClr>
+        <a:buSzPct val="100000"/>
         <a:buFont typeface="Arial" panose="020B0604020202020204" pitchFamily="34" charset="0"/>
         <a:buChar char="•"/>
-        <a:defRPr kumimoji="1" sz="1800" kern="1200">
+        <a:defRPr kumimoji="1" sz="1400" kern="1200" cap="none" baseline="0">
           <a:solidFill>
             <a:schemeClr val="tx1"/>
           </a:solidFill>
+          <a:effectLst/>
           <a:latin typeface="+mn-lt"/>
           <a:ea typeface="+mn-ea"/>
           <a:cs typeface="+mn-cs"/>
@@ -5177,17 +5451,22 @@
       </a:lvl4pPr>
       <a:lvl5pPr marL="2057400" indent="-228600" algn="l" defTabSz="914400" rtl="0" eaLnBrk="1" latinLnBrk="0" hangingPunct="1">
         <a:lnSpc>
-          <a:spcPct val="90000"/>
+          <a:spcPct val="120000"/>
         </a:lnSpc>
         <a:spcBef>
           <a:spcPts val="500"/>
         </a:spcBef>
+        <a:buClr>
+          <a:schemeClr val="accent1"/>
+        </a:buClr>
+        <a:buSzPct val="100000"/>
         <a:buFont typeface="Arial" panose="020B0604020202020204" pitchFamily="34" charset="0"/>
         <a:buChar char="•"/>
-        <a:defRPr kumimoji="1" sz="1800" kern="1200">
+        <a:defRPr kumimoji="1" sz="1200" kern="1200">
           <a:solidFill>
             <a:schemeClr val="tx1"/>
           </a:solidFill>
+          <a:effectLst/>
           <a:latin typeface="+mn-lt"/>
           <a:ea typeface="+mn-ea"/>
           <a:cs typeface="+mn-cs"/>
@@ -5195,17 +5474,22 @@
       </a:lvl5pPr>
       <a:lvl6pPr marL="2514600" indent="-228600" algn="l" defTabSz="914400" rtl="0" eaLnBrk="1" latinLnBrk="0" hangingPunct="1">
         <a:lnSpc>
-          <a:spcPct val="90000"/>
+          <a:spcPct val="120000"/>
         </a:lnSpc>
         <a:spcBef>
           <a:spcPts val="500"/>
         </a:spcBef>
+        <a:buClr>
+          <a:schemeClr val="accent1"/>
+        </a:buClr>
+        <a:buSzPct val="100000"/>
         <a:buFont typeface="Arial" panose="020B0604020202020204" pitchFamily="34" charset="0"/>
         <a:buChar char="•"/>
-        <a:defRPr kumimoji="1" sz="1800" kern="1200">
+        <a:defRPr kumimoji="1" sz="1200" kern="1200">
           <a:solidFill>
             <a:schemeClr val="tx1"/>
           </a:solidFill>
+          <a:effectLst/>
           <a:latin typeface="+mn-lt"/>
           <a:ea typeface="+mn-ea"/>
           <a:cs typeface="+mn-cs"/>
@@ -5213,17 +5497,22 @@
       </a:lvl6pPr>
       <a:lvl7pPr marL="2971800" indent="-228600" algn="l" defTabSz="914400" rtl="0" eaLnBrk="1" latinLnBrk="0" hangingPunct="1">
         <a:lnSpc>
-          <a:spcPct val="90000"/>
+          <a:spcPct val="120000"/>
         </a:lnSpc>
         <a:spcBef>
           <a:spcPts val="500"/>
         </a:spcBef>
+        <a:buClr>
+          <a:schemeClr val="accent1"/>
+        </a:buClr>
+        <a:buSzPct val="100000"/>
         <a:buFont typeface="Arial" panose="020B0604020202020204" pitchFamily="34" charset="0"/>
         <a:buChar char="•"/>
-        <a:defRPr kumimoji="1" sz="1800" kern="1200">
+        <a:defRPr kumimoji="1" sz="1200" kern="1200">
           <a:solidFill>
             <a:schemeClr val="tx1"/>
           </a:solidFill>
+          <a:effectLst/>
           <a:latin typeface="+mn-lt"/>
           <a:ea typeface="+mn-ea"/>
           <a:cs typeface="+mn-cs"/>
@@ -5231,17 +5520,22 @@
       </a:lvl7pPr>
       <a:lvl8pPr marL="3429000" indent="-228600" algn="l" defTabSz="914400" rtl="0" eaLnBrk="1" latinLnBrk="0" hangingPunct="1">
         <a:lnSpc>
-          <a:spcPct val="90000"/>
+          <a:spcPct val="120000"/>
         </a:lnSpc>
         <a:spcBef>
           <a:spcPts val="500"/>
         </a:spcBef>
+        <a:buClr>
+          <a:schemeClr val="accent1"/>
+        </a:buClr>
+        <a:buSzPct val="100000"/>
         <a:buFont typeface="Arial" panose="020B0604020202020204" pitchFamily="34" charset="0"/>
         <a:buChar char="•"/>
-        <a:defRPr kumimoji="1" sz="1800" kern="1200">
+        <a:defRPr kumimoji="1" sz="1200" kern="1200" baseline="0">
           <a:solidFill>
             <a:schemeClr val="tx1"/>
           </a:solidFill>
+          <a:effectLst/>
           <a:latin typeface="+mn-lt"/>
           <a:ea typeface="+mn-ea"/>
           <a:cs typeface="+mn-cs"/>
@@ -5249,17 +5543,22 @@
       </a:lvl8pPr>
       <a:lvl9pPr marL="3886200" indent="-228600" algn="l" defTabSz="914400" rtl="0" eaLnBrk="1" latinLnBrk="0" hangingPunct="1">
         <a:lnSpc>
-          <a:spcPct val="90000"/>
+          <a:spcPct val="120000"/>
         </a:lnSpc>
         <a:spcBef>
           <a:spcPts val="500"/>
         </a:spcBef>
+        <a:buClr>
+          <a:schemeClr val="accent1"/>
+        </a:buClr>
+        <a:buSzPct val="100000"/>
         <a:buFont typeface="Arial" panose="020B0604020202020204" pitchFamily="34" charset="0"/>
         <a:buChar char="•"/>
-        <a:defRPr kumimoji="1" sz="1800" kern="1200">
+        <a:defRPr kumimoji="1" sz="1200" kern="1200" baseline="0">
           <a:solidFill>
             <a:schemeClr val="tx1"/>
           </a:solidFill>
+          <a:effectLst/>
           <a:latin typeface="+mn-lt"/>
           <a:ea typeface="+mn-ea"/>
           <a:cs typeface="+mn-cs"/>
@@ -5268,7 +5567,7 @@
     </p:bodyStyle>
     <p:otherStyle>
       <a:defPPr>
-        <a:defRPr lang="ja-JP"/>
+        <a:defRPr lang="en-US"/>
       </a:defPPr>
       <a:lvl1pPr marL="0" algn="l" defTabSz="914400" rtl="0" eaLnBrk="1" latinLnBrk="0" hangingPunct="1">
         <a:defRPr kumimoji="1" sz="1800" kern="1200">
@@ -5400,8 +5699,8 @@
         </p:nvSpPr>
         <p:spPr>
           <a:xfrm>
-            <a:off x="0" y="2348365"/>
-            <a:ext cx="12192000" cy="732460"/>
+            <a:off x="1446245" y="2432340"/>
+            <a:ext cx="10384971" cy="732460"/>
           </a:xfrm>
         </p:spPr>
         <p:txBody>
@@ -5446,7 +5745,7 @@
         </p:nvSpPr>
         <p:spPr>
           <a:xfrm>
-            <a:off x="4904764" y="5602783"/>
+            <a:off x="4904764" y="5332196"/>
             <a:ext cx="7287236" cy="486562"/>
           </a:xfrm>
         </p:spPr>
@@ -5526,10 +5825,15 @@
             <p:ph type="title"/>
           </p:nvPr>
         </p:nvSpPr>
-        <p:spPr/>
+        <p:spPr>
+          <a:xfrm>
+            <a:off x="1480838" y="1236746"/>
+            <a:ext cx="9603275" cy="463691"/>
+          </a:xfrm>
+        </p:spPr>
         <p:txBody>
           <a:bodyPr>
-            <a:normAutofit/>
+            <a:normAutofit fontScale="90000"/>
           </a:bodyPr>
           <a:lstStyle/>
           <a:p>
@@ -5561,8 +5865,8 @@
         </p:nvSpPr>
         <p:spPr>
           <a:xfrm>
-            <a:off x="3243677" y="1899479"/>
-            <a:ext cx="8084264" cy="954107"/>
+            <a:off x="3243675" y="2022590"/>
+            <a:ext cx="6955750" cy="830997"/>
           </a:xfrm>
           <a:prstGeom prst="rect">
             <a:avLst/>
@@ -5576,7 +5880,7 @@
           <a:lstStyle/>
           <a:p>
             <a:r>
-              <a:rPr lang="ja-JP" altLang="en-US" sz="2800" b="1" i="0" dirty="0">
+              <a:rPr lang="ja-JP" altLang="en-US" sz="2400" b="1" i="0" dirty="0">
                 <a:solidFill>
                   <a:srgbClr val="333333"/>
                 </a:solidFill>
@@ -5586,7 +5890,7 @@
               </a:rPr>
               <a:t>上司からの指示や命令に対して</a:t>
             </a:r>
-            <a:endParaRPr lang="en-US" altLang="ja-JP" sz="2800" b="1" i="0" dirty="0">
+            <a:endParaRPr lang="en-US" altLang="ja-JP" sz="2400" b="1" i="0" dirty="0">
               <a:solidFill>
                 <a:srgbClr val="333333"/>
               </a:solidFill>
@@ -5597,7 +5901,7 @@
           </a:p>
           <a:p>
             <a:r>
-              <a:rPr lang="ja-JP" altLang="en-US" sz="2800" b="1" i="0" dirty="0">
+              <a:rPr lang="ja-JP" altLang="en-US" sz="2400" b="1" i="0" dirty="0">
                 <a:solidFill>
                   <a:srgbClr val="333333"/>
                 </a:solidFill>
@@ -5607,7 +5911,7 @@
               </a:rPr>
               <a:t>部下が仕事の進捗状況や結果などを知らせること</a:t>
             </a:r>
-            <a:endParaRPr kumimoji="1" lang="ja-JP" altLang="en-US" sz="2800" b="1" dirty="0">
+            <a:endParaRPr kumimoji="1" lang="ja-JP" altLang="en-US" sz="2400" b="1" dirty="0">
               <a:latin typeface="メイリオ" panose="020B0604030504040204" pitchFamily="50" charset="-128"/>
               <a:ea typeface="メイリオ" panose="020B0604030504040204" pitchFamily="50" charset="-128"/>
             </a:endParaRPr>
@@ -5628,7 +5932,7 @@
         </p:nvSpPr>
         <p:spPr>
           <a:xfrm>
-            <a:off x="1350210" y="2022590"/>
+            <a:off x="1350208" y="2106350"/>
             <a:ext cx="1893467" cy="707886"/>
           </a:xfrm>
           <a:prstGeom prst="rect">
@@ -5677,7 +5981,7 @@
         </p:nvSpPr>
         <p:spPr>
           <a:xfrm>
-            <a:off x="1350211" y="3778453"/>
+            <a:off x="1350209" y="3224455"/>
             <a:ext cx="1893467" cy="707886"/>
           </a:xfrm>
           <a:prstGeom prst="rect">
@@ -5733,7 +6037,7 @@
         </p:nvSpPr>
         <p:spPr>
           <a:xfrm>
-            <a:off x="3243677" y="3778453"/>
+            <a:off x="3243676" y="3224455"/>
             <a:ext cx="7571303" cy="646331"/>
           </a:xfrm>
           <a:prstGeom prst="rect">
@@ -5779,7 +6083,7 @@
         </p:nvSpPr>
         <p:spPr>
           <a:xfrm>
-            <a:off x="1350210" y="5411206"/>
+            <a:off x="1350208" y="4426320"/>
             <a:ext cx="1893467" cy="707886"/>
           </a:xfrm>
           <a:prstGeom prst="rect">
@@ -5828,7 +6132,7 @@
         </p:nvSpPr>
         <p:spPr>
           <a:xfrm>
-            <a:off x="3243676" y="5288095"/>
+            <a:off x="3243675" y="4254494"/>
             <a:ext cx="8110124" cy="1384995"/>
           </a:xfrm>
           <a:prstGeom prst="rect">
@@ -5929,7 +6233,7 @@
         </p:nvSpPr>
         <p:spPr>
           <a:xfrm>
-            <a:off x="467264" y="511775"/>
+            <a:off x="1428317" y="1133142"/>
             <a:ext cx="3561272" cy="584776"/>
           </a:xfrm>
         </p:spPr>
@@ -5963,8 +6267,8 @@
         </p:nvSpPr>
         <p:spPr>
           <a:xfrm>
-            <a:off x="569342" y="2190816"/>
-            <a:ext cx="11622657" cy="584775"/>
+            <a:off x="1428317" y="2198268"/>
+            <a:ext cx="9750315" cy="584775"/>
           </a:xfrm>
           <a:prstGeom prst="rect">
             <a:avLst/>
@@ -6005,8 +6309,8 @@
         </p:nvSpPr>
         <p:spPr>
           <a:xfrm>
-            <a:off x="569343" y="3136612"/>
-            <a:ext cx="11622657" cy="584775"/>
+            <a:off x="1428317" y="3140338"/>
+            <a:ext cx="9582363" cy="584775"/>
           </a:xfrm>
           <a:prstGeom prst="rect">
             <a:avLst/>
@@ -6043,7 +6347,7 @@
         </p:nvSpPr>
         <p:spPr>
           <a:xfrm>
-            <a:off x="569342" y="4082408"/>
+            <a:off x="1428317" y="4082408"/>
             <a:ext cx="4698722" cy="584775"/>
           </a:xfrm>
           <a:prstGeom prst="rect">
@@ -6307,7 +6611,12 @@
             <p:ph type="title"/>
           </p:nvPr>
         </p:nvSpPr>
-        <p:spPr/>
+        <p:spPr>
+          <a:xfrm>
+            <a:off x="1451579" y="1343608"/>
+            <a:ext cx="9603275" cy="510146"/>
+          </a:xfrm>
+        </p:spPr>
         <p:txBody>
           <a:bodyPr>
             <a:normAutofit/>
@@ -6349,7 +6658,7 @@
         </p:nvSpPr>
         <p:spPr>
           <a:xfrm>
-            <a:off x="838200" y="2086253"/>
+            <a:off x="1451579" y="2160882"/>
             <a:ext cx="7160935" cy="584775"/>
           </a:xfrm>
           <a:prstGeom prst="rect">
@@ -6387,7 +6696,7 @@
         </p:nvSpPr>
         <p:spPr>
           <a:xfrm>
-            <a:off x="838200" y="3066593"/>
+            <a:off x="1451579" y="3049598"/>
             <a:ext cx="7981672" cy="584775"/>
           </a:xfrm>
           <a:prstGeom prst="rect">
@@ -6432,8 +6741,8 @@
         </p:nvSpPr>
         <p:spPr>
           <a:xfrm>
-            <a:off x="838200" y="4046933"/>
-            <a:ext cx="11264622" cy="584775"/>
+            <a:off x="1451579" y="3896648"/>
+            <a:ext cx="10033516" cy="584775"/>
           </a:xfrm>
           <a:prstGeom prst="rect">
             <a:avLst/>
@@ -6451,7 +6760,7 @@
                 <a:latin typeface="メイリオ" panose="020B0604030504040204" pitchFamily="50" charset="-128"/>
                 <a:ea typeface="メイリオ" panose="020B0604030504040204" pitchFamily="50" charset="-128"/>
               </a:rPr>
-              <a:t>お客様からの相談でわからない事は先輩に「相談」していた</a:t>
+              <a:t>お客様からの相談でわからない事は「相談」していた</a:t>
             </a:r>
           </a:p>
         </p:txBody>
@@ -6470,7 +6779,7 @@
         </p:nvSpPr>
         <p:spPr>
           <a:xfrm>
-            <a:off x="3128639" y="5969655"/>
+            <a:off x="3119309" y="5415657"/>
             <a:ext cx="5570756" cy="523220"/>
           </a:xfrm>
           <a:prstGeom prst="rect">
@@ -6734,7 +7043,12 @@
             <p:ph type="title"/>
           </p:nvPr>
         </p:nvSpPr>
-        <p:spPr/>
+        <p:spPr>
+          <a:xfrm>
+            <a:off x="1451579" y="1330534"/>
+            <a:ext cx="9603275" cy="523220"/>
+          </a:xfrm>
+        </p:spPr>
         <p:txBody>
           <a:bodyPr>
             <a:normAutofit/>
@@ -6765,7 +7079,7 @@
         </p:nvSpPr>
         <p:spPr>
           <a:xfrm>
-            <a:off x="648071" y="3338003"/>
+            <a:off x="1385189" y="3034542"/>
             <a:ext cx="6340197" cy="584775"/>
           </a:xfrm>
           <a:prstGeom prst="rect">
@@ -6803,7 +7117,7 @@
         </p:nvSpPr>
         <p:spPr>
           <a:xfrm>
-            <a:off x="648071" y="2466095"/>
+            <a:off x="1385189" y="2235262"/>
             <a:ext cx="7160935" cy="584775"/>
           </a:xfrm>
           <a:prstGeom prst="rect">
@@ -6841,7 +7155,7 @@
         </p:nvSpPr>
         <p:spPr>
           <a:xfrm>
-            <a:off x="5620323" y="5969655"/>
+            <a:off x="5666976" y="5437810"/>
             <a:ext cx="6288901" cy="523220"/>
           </a:xfrm>
           <a:prstGeom prst="rect">
@@ -7051,7 +7365,12 @@
             <p:ph type="title"/>
           </p:nvPr>
         </p:nvSpPr>
-        <p:spPr/>
+        <p:spPr>
+          <a:xfrm>
+            <a:off x="1404926" y="1175657"/>
+            <a:ext cx="9603275" cy="650105"/>
+          </a:xfrm>
+        </p:spPr>
         <p:txBody>
           <a:bodyPr>
             <a:normAutofit/>
@@ -7082,7 +7401,7 @@
         </p:nvSpPr>
         <p:spPr>
           <a:xfrm>
-            <a:off x="874057" y="2931795"/>
+            <a:off x="874057" y="2465264"/>
             <a:ext cx="10443886" cy="1323439"/>
           </a:xfrm>
           <a:prstGeom prst="rect">
@@ -7169,7 +7488,7 @@
         </p:nvSpPr>
         <p:spPr>
           <a:xfrm>
-            <a:off x="838200" y="2344845"/>
+            <a:off x="1024813" y="2382168"/>
             <a:ext cx="10515600" cy="1325563"/>
           </a:xfrm>
         </p:spPr>
@@ -7238,13 +7557,13 @@
         </p:nvSpPr>
         <p:spPr>
           <a:xfrm>
-            <a:off x="838200" y="323181"/>
-            <a:ext cx="1636552" cy="810532"/>
+            <a:off x="1463351" y="1246511"/>
+            <a:ext cx="1636552" cy="516574"/>
           </a:xfrm>
         </p:spPr>
         <p:txBody>
           <a:bodyPr>
-            <a:normAutofit/>
+            <a:normAutofit fontScale="90000"/>
           </a:bodyPr>
           <a:lstStyle/>
           <a:p>
@@ -7272,7 +7591,7 @@
         </p:nvSpPr>
         <p:spPr>
           <a:xfrm>
-            <a:off x="781724" y="3301998"/>
+            <a:off x="1463351" y="3429000"/>
             <a:ext cx="6631129" cy="923330"/>
           </a:xfrm>
           <a:prstGeom prst="rect">
@@ -7310,7 +7629,7 @@
         </p:nvSpPr>
         <p:spPr>
           <a:xfrm>
-            <a:off x="781725" y="2378668"/>
+            <a:off x="1463351" y="2210717"/>
             <a:ext cx="7802136" cy="923330"/>
           </a:xfrm>
           <a:prstGeom prst="rect">
@@ -7386,7 +7705,7 @@
         </p:nvSpPr>
         <p:spPr>
           <a:xfrm>
-            <a:off x="1115037" y="2766218"/>
+            <a:off x="1609559" y="2504961"/>
             <a:ext cx="9396369" cy="1325563"/>
           </a:xfrm>
         </p:spPr>
@@ -7421,7 +7740,7 @@
         </p:nvSpPr>
         <p:spPr>
           <a:xfrm>
-            <a:off x="436227" y="360726"/>
+            <a:off x="436227" y="220766"/>
             <a:ext cx="3959604" cy="584775"/>
           </a:xfrm>
           <a:prstGeom prst="rect">
@@ -7470,7 +7789,7 @@
         </p:nvSpPr>
         <p:spPr>
           <a:xfrm>
-            <a:off x="436227" y="1594249"/>
+            <a:off x="1426014" y="1262659"/>
             <a:ext cx="1980029" cy="523220"/>
           </a:xfrm>
           <a:prstGeom prst="rect">
@@ -7515,7 +7834,7 @@
         </p:nvSpPr>
         <p:spPr>
           <a:xfrm>
-            <a:off x="9213012" y="4554747"/>
+            <a:off x="10195449" y="5006724"/>
             <a:ext cx="1620957" cy="523220"/>
           </a:xfrm>
           <a:prstGeom prst="rect">
@@ -7724,7 +8043,12 @@
             <p:ph type="title"/>
           </p:nvPr>
         </p:nvSpPr>
-        <p:spPr/>
+        <p:spPr>
+          <a:xfrm>
+            <a:off x="1423587" y="1271050"/>
+            <a:ext cx="9603275" cy="523221"/>
+          </a:xfrm>
+        </p:spPr>
         <p:txBody>
           <a:bodyPr>
             <a:normAutofit/>
@@ -7804,7 +8128,7 @@
         </p:nvSpPr>
         <p:spPr>
           <a:xfrm>
-            <a:off x="9419208" y="5459766"/>
+            <a:off x="10063021" y="5325340"/>
             <a:ext cx="1261884" cy="523220"/>
           </a:xfrm>
           <a:prstGeom prst="rect">
@@ -7962,7 +8286,7 @@
         </p:nvSpPr>
         <p:spPr>
           <a:xfrm>
-            <a:off x="838200" y="1554733"/>
+            <a:off x="838200" y="2225504"/>
             <a:ext cx="10515600" cy="1325563"/>
           </a:xfrm>
         </p:spPr>
@@ -8067,7 +8391,12 @@
             <p:ph type="title"/>
           </p:nvPr>
         </p:nvSpPr>
-        <p:spPr/>
+        <p:spPr>
+          <a:xfrm>
+            <a:off x="1460909" y="1168433"/>
+            <a:ext cx="9603275" cy="584775"/>
+          </a:xfrm>
+        </p:spPr>
         <p:txBody>
           <a:bodyPr>
             <a:normAutofit/>
@@ -8098,8 +8427,8 @@
         </p:nvSpPr>
         <p:spPr>
           <a:xfrm>
-            <a:off x="838200" y="2175029"/>
-            <a:ext cx="11353800" cy="584775"/>
+            <a:off x="1460909" y="2194733"/>
+            <a:ext cx="6937178" cy="584775"/>
           </a:xfrm>
           <a:prstGeom prst="rect">
             <a:avLst/>
@@ -8136,7 +8465,7 @@
         </p:nvSpPr>
         <p:spPr>
           <a:xfrm>
-            <a:off x="838200" y="3805809"/>
+            <a:off x="1460909" y="3863955"/>
             <a:ext cx="8392041" cy="584775"/>
           </a:xfrm>
           <a:prstGeom prst="rect">
@@ -8188,7 +8517,7 @@
         </p:nvSpPr>
         <p:spPr>
           <a:xfrm>
-            <a:off x="838200" y="2990419"/>
+            <a:off x="1460909" y="3029344"/>
             <a:ext cx="6750566" cy="584775"/>
           </a:xfrm>
           <a:prstGeom prst="rect">
@@ -8300,7 +8629,12 @@
             <p:ph type="title"/>
           </p:nvPr>
         </p:nvSpPr>
-        <p:spPr/>
+        <p:spPr>
+          <a:xfrm>
+            <a:off x="1451579" y="1224397"/>
+            <a:ext cx="9603275" cy="523220"/>
+          </a:xfrm>
+        </p:spPr>
         <p:txBody>
           <a:bodyPr>
             <a:normAutofit/>
@@ -8331,7 +8665,7 @@
         </p:nvSpPr>
         <p:spPr>
           <a:xfrm>
-            <a:off x="1047564" y="2844225"/>
+            <a:off x="1451579" y="2265641"/>
             <a:ext cx="6340197" cy="584775"/>
           </a:xfrm>
           <a:prstGeom prst="rect">
@@ -8369,7 +8703,7 @@
         </p:nvSpPr>
         <p:spPr>
           <a:xfrm>
-            <a:off x="1047564" y="4000543"/>
+            <a:off x="1451579" y="3368440"/>
             <a:ext cx="2646878" cy="584775"/>
           </a:xfrm>
           <a:prstGeom prst="rect">
@@ -8646,7 +8980,7 @@
         </p:nvSpPr>
         <p:spPr>
           <a:xfrm>
-            <a:off x="1115037" y="2766218"/>
+            <a:off x="1437600" y="2476969"/>
             <a:ext cx="9396369" cy="1325563"/>
           </a:xfrm>
         </p:spPr>
@@ -8681,7 +9015,7 @@
         </p:nvSpPr>
         <p:spPr>
           <a:xfrm>
-            <a:off x="436227" y="360726"/>
+            <a:off x="436227" y="239428"/>
             <a:ext cx="3959604" cy="584775"/>
           </a:xfrm>
           <a:prstGeom prst="rect">
@@ -8730,7 +9064,7 @@
         </p:nvSpPr>
         <p:spPr>
           <a:xfrm>
-            <a:off x="436227" y="1594249"/>
+            <a:off x="1387949" y="1271990"/>
             <a:ext cx="2339102" cy="523220"/>
           </a:xfrm>
           <a:prstGeom prst="rect">
@@ -8768,7 +9102,7 @@
         </p:nvSpPr>
         <p:spPr>
           <a:xfrm>
-            <a:off x="9213012" y="4554747"/>
+            <a:off x="10023490" y="5030608"/>
             <a:ext cx="1620957" cy="523220"/>
           </a:xfrm>
           <a:prstGeom prst="rect">
@@ -8972,8 +9306,8 @@
         </p:nvSpPr>
         <p:spPr>
           <a:xfrm>
-            <a:off x="662031" y="583238"/>
-            <a:ext cx="2064391" cy="683499"/>
+            <a:off x="1417810" y="1283033"/>
+            <a:ext cx="2064391" cy="489783"/>
           </a:xfrm>
         </p:spPr>
         <p:txBody>
@@ -9049,7 +9383,7 @@
         </p:nvSpPr>
         <p:spPr>
           <a:xfrm>
-            <a:off x="2967489" y="5793628"/>
+            <a:off x="2967488" y="5221024"/>
             <a:ext cx="9224512" cy="707886"/>
           </a:xfrm>
           <a:prstGeom prst="rect">
@@ -9132,9 +9466,9 @@
 </file>
 
 <file path=ppt/theme/theme1.xml><?xml version="1.0" encoding="utf-8"?>
-<a:theme xmlns:a="http://schemas.openxmlformats.org/drawingml/2006/main" name="Office テーマ">
+<a:theme xmlns:a="http://schemas.openxmlformats.org/drawingml/2006/main" name="ギャラリー">
   <a:themeElements>
-    <a:clrScheme name="Office">
+    <a:clrScheme name="ギャラリー">
       <a:dk1>
         <a:sysClr val="windowText" lastClr="000000"/>
       </a:dk1>
@@ -9142,39 +9476,39 @@
         <a:sysClr val="window" lastClr="FFFFFF"/>
       </a:lt1>
       <a:dk2>
-        <a:srgbClr val="44546A"/>
+        <a:srgbClr val="454545"/>
       </a:dk2>
       <a:lt2>
-        <a:srgbClr val="E7E6E6"/>
+        <a:srgbClr val="DFDBD5"/>
       </a:lt2>
       <a:accent1>
-        <a:srgbClr val="4472C4"/>
+        <a:srgbClr val="B71E42"/>
       </a:accent1>
       <a:accent2>
-        <a:srgbClr val="ED7D31"/>
+        <a:srgbClr val="DE478E"/>
       </a:accent2>
       <a:accent3>
-        <a:srgbClr val="A5A5A5"/>
+        <a:srgbClr val="BC72F0"/>
       </a:accent3>
       <a:accent4>
-        <a:srgbClr val="FFC000"/>
+        <a:srgbClr val="795FAF"/>
       </a:accent4>
       <a:accent5>
-        <a:srgbClr val="5B9BD5"/>
+        <a:srgbClr val="586EA6"/>
       </a:accent5>
       <a:accent6>
-        <a:srgbClr val="70AD47"/>
+        <a:srgbClr val="6892A0"/>
       </a:accent6>
       <a:hlink>
-        <a:srgbClr val="0563C1"/>
+        <a:srgbClr val="FA2B5C"/>
       </a:hlink>
       <a:folHlink>
-        <a:srgbClr val="954F72"/>
+        <a:srgbClr val="BC658E"/>
       </a:folHlink>
     </a:clrScheme>
-    <a:fontScheme name="Office">
+    <a:fontScheme name="ギャラリー">
       <a:majorFont>
-        <a:latin typeface="游ゴシック Light" panose="020F0302020204030204"/>
+        <a:latin typeface="Gill Sans MT" panose="020B0502020104020203"/>
         <a:ea typeface=""/>
         <a:cs typeface=""/>
         <a:font script="Jpan" typeface="游ゴシック Light"/>
@@ -9207,26 +9541,9 @@
         <a:font script="Viet" typeface="Times New Roman"/>
         <a:font script="Uigh" typeface="Microsoft Uighur"/>
         <a:font script="Geor" typeface="Sylfaen"/>
-        <a:font script="Armn" typeface="Arial"/>
-        <a:font script="Bugi" typeface="Leelawadee UI"/>
-        <a:font script="Bopo" typeface="Microsoft JhengHei"/>
-        <a:font script="Java" typeface="Javanese Text"/>
-        <a:font script="Lisu" typeface="Segoe UI"/>
-        <a:font script="Mymr" typeface="Myanmar Text"/>
-        <a:font script="Nkoo" typeface="Ebrima"/>
-        <a:font script="Olck" typeface="Nirmala UI"/>
-        <a:font script="Osma" typeface="Ebrima"/>
-        <a:font script="Phag" typeface="Phagspa"/>
-        <a:font script="Syrn" typeface="Estrangelo Edessa"/>
-        <a:font script="Syrj" typeface="Estrangelo Edessa"/>
-        <a:font script="Syre" typeface="Estrangelo Edessa"/>
-        <a:font script="Sora" typeface="Nirmala UI"/>
-        <a:font script="Tale" typeface="Microsoft Tai Le"/>
-        <a:font script="Talu" typeface="Microsoft New Tai Lue"/>
-        <a:font script="Tfng" typeface="Ebrima"/>
       </a:majorFont>
       <a:minorFont>
-        <a:latin typeface="游ゴシック" panose="020F0502020204030204"/>
+        <a:latin typeface="Gill Sans MT" panose="020B0502020104020203"/>
         <a:ea typeface=""/>
         <a:cs typeface=""/>
         <a:font script="Jpan" typeface="游ゴシック"/>
@@ -9259,26 +9576,9 @@
         <a:font script="Viet" typeface="Arial"/>
         <a:font script="Uigh" typeface="Microsoft Uighur"/>
         <a:font script="Geor" typeface="Sylfaen"/>
-        <a:font script="Armn" typeface="Arial"/>
-        <a:font script="Bugi" typeface="Leelawadee UI"/>
-        <a:font script="Bopo" typeface="Microsoft JhengHei"/>
-        <a:font script="Java" typeface="Javanese Text"/>
-        <a:font script="Lisu" typeface="Segoe UI"/>
-        <a:font script="Mymr" typeface="Myanmar Text"/>
-        <a:font script="Nkoo" typeface="Ebrima"/>
-        <a:font script="Olck" typeface="Nirmala UI"/>
-        <a:font script="Osma" typeface="Ebrima"/>
-        <a:font script="Phag" typeface="Phagspa"/>
-        <a:font script="Syrn" typeface="Estrangelo Edessa"/>
-        <a:font script="Syrj" typeface="Estrangelo Edessa"/>
-        <a:font script="Syre" typeface="Estrangelo Edessa"/>
-        <a:font script="Sora" typeface="Nirmala UI"/>
-        <a:font script="Tale" typeface="Microsoft Tai Le"/>
-        <a:font script="Talu" typeface="Microsoft New Tai Lue"/>
-        <a:font script="Tfng" typeface="Ebrima"/>
       </a:minorFont>
     </a:fontScheme>
-    <a:fmtScheme name="Office">
+    <a:fmtScheme name="ギャラリー">
       <a:fillStyleLst>
         <a:solidFill>
           <a:schemeClr val="phClr"/>
@@ -9287,23 +9587,18 @@
           <a:gsLst>
             <a:gs pos="0">
               <a:schemeClr val="phClr">
+                <a:tint val="54000"/>
+                <a:alpha val="100000"/>
+                <a:satMod val="105000"/>
                 <a:lumMod val="110000"/>
-                <a:satMod val="105000"/>
-                <a:tint val="67000"/>
-              </a:schemeClr>
-            </a:gs>
-            <a:gs pos="50000">
-              <a:schemeClr val="phClr">
-                <a:lumMod val="105000"/>
-                <a:satMod val="103000"/>
-                <a:tint val="73000"/>
               </a:schemeClr>
             </a:gs>
             <a:gs pos="100000">
               <a:schemeClr val="phClr">
-                <a:lumMod val="105000"/>
+                <a:tint val="78000"/>
+                <a:alpha val="92000"/>
                 <a:satMod val="109000"/>
-                <a:tint val="81000"/>
+                <a:lumMod val="100000"/>
               </a:schemeClr>
             </a:gs>
           </a:gsLst>
@@ -9313,23 +9608,23 @@
           <a:gsLst>
             <a:gs pos="0">
               <a:schemeClr val="phClr">
-                <a:satMod val="103000"/>
-                <a:lumMod val="102000"/>
-                <a:tint val="94000"/>
+                <a:tint val="98000"/>
+                <a:satMod val="110000"/>
+                <a:lumMod val="104000"/>
               </a:schemeClr>
             </a:gs>
-            <a:gs pos="50000">
+            <a:gs pos="69000">
               <a:schemeClr val="phClr">
-                <a:satMod val="110000"/>
-                <a:lumMod val="100000"/>
-                <a:shade val="100000"/>
+                <a:shade val="88000"/>
+                <a:satMod val="130000"/>
+                <a:lumMod val="92000"/>
               </a:schemeClr>
             </a:gs>
             <a:gs pos="100000">
               <a:schemeClr val="phClr">
-                <a:lumMod val="99000"/>
-                <a:satMod val="120000"/>
                 <a:shade val="78000"/>
+                <a:satMod val="130000"/>
+                <a:lumMod val="92000"/>
               </a:schemeClr>
             </a:gs>
           </a:gsLst>
@@ -9337,26 +9632,23 @@
         </a:gradFill>
       </a:fillStyleLst>
       <a:lnStyleLst>
-        <a:ln w="6350" cap="flat" cmpd="sng" algn="ctr">
+        <a:ln w="9525" cap="flat" cmpd="sng" algn="ctr">
           <a:solidFill>
             <a:schemeClr val="phClr"/>
           </a:solidFill>
           <a:prstDash val="solid"/>
-          <a:miter lim="800000"/>
         </a:ln>
-        <a:ln w="12700" cap="flat" cmpd="sng" algn="ctr">
+        <a:ln w="15875" cap="flat" cmpd="sng" algn="ctr">
           <a:solidFill>
             <a:schemeClr val="phClr"/>
           </a:solidFill>
           <a:prstDash val="solid"/>
-          <a:miter lim="800000"/>
         </a:ln>
-        <a:ln w="19050" cap="flat" cmpd="sng" algn="ctr">
+        <a:ln w="22225" cap="flat" cmpd="sng" algn="ctr">
           <a:solidFill>
             <a:schemeClr val="phClr"/>
           </a:solidFill>
           <a:prstDash val="solid"/>
-          <a:miter lim="800000"/>
         </a:ln>
       </a:lnStyleLst>
       <a:effectStyleLst>
@@ -9368,12 +9660,23 @@
         </a:effectStyle>
         <a:effectStyle>
           <a:effectLst>
-            <a:outerShdw blurRad="57150" dist="19050" dir="5400000" algn="ctr" rotWithShape="0">
+            <a:outerShdw blurRad="50800" dist="50800" dir="5400000" sx="96000" sy="96000" rotWithShape="0">
               <a:srgbClr val="000000">
-                <a:alpha val="63000"/>
+                <a:alpha val="48000"/>
               </a:srgbClr>
             </a:outerShdw>
           </a:effectLst>
+          <a:scene3d>
+            <a:camera prst="orthographicFront">
+              <a:rot lat="0" lon="0" rev="0"/>
+            </a:camera>
+            <a:lightRig rig="balanced" dir="t">
+              <a:rot lat="0" lon="0" rev="1080000"/>
+            </a:lightRig>
+          </a:scene3d>
+          <a:sp3d>
+            <a:bevelT w="38100" h="12700" prst="softRound"/>
+          </a:sp3d>
         </a:effectStyle>
       </a:effectStyleLst>
       <a:bgFillStyleLst>
@@ -9381,37 +9684,26 @@
           <a:schemeClr val="phClr"/>
         </a:solidFill>
         <a:solidFill>
-          <a:schemeClr val="phClr">
-            <a:tint val="95000"/>
-            <a:satMod val="170000"/>
-          </a:schemeClr>
+          <a:schemeClr val="phClr"/>
         </a:solidFill>
         <a:gradFill rotWithShape="1">
           <a:gsLst>
             <a:gs pos="0">
               <a:schemeClr val="phClr">
-                <a:tint val="93000"/>
-                <a:satMod val="150000"/>
-                <a:shade val="98000"/>
-                <a:lumMod val="102000"/>
-              </a:schemeClr>
-            </a:gs>
-            <a:gs pos="50000">
-              <a:schemeClr val="phClr">
-                <a:tint val="98000"/>
-                <a:satMod val="130000"/>
-                <a:shade val="90000"/>
-                <a:lumMod val="103000"/>
+                <a:tint val="94000"/>
+                <a:satMod val="80000"/>
+                <a:lumMod val="106000"/>
               </a:schemeClr>
             </a:gs>
             <a:gs pos="100000">
               <a:schemeClr val="phClr">
-                <a:shade val="63000"/>
-                <a:satMod val="120000"/>
+                <a:shade val="80000"/>
               </a:schemeClr>
             </a:gs>
           </a:gsLst>
-          <a:lin ang="5400000" scaled="0"/>
+          <a:path path="circle">
+            <a:fillToRect l="43000" r="43000" b="100000"/>
+          </a:path>
         </a:gradFill>
       </a:bgFillStyleLst>
     </a:fmtScheme>
@@ -9420,7 +9712,7 @@
   <a:extraClrSchemeLst/>
   <a:extLst>
     <a:ext uri="{05A4C25C-085E-4340-85A3-A5531E510DB2}">
-      <thm15:themeFamily xmlns:thm15="http://schemas.microsoft.com/office/thememl/2012/main" name="Office Theme" id="{62F939B6-93AF-4DB8-9C6B-D6C7DFDC589F}" vid="{4A3C46E8-61CC-4603-A589-7422A47A8E4A}"/>
+      <thm15:themeFamily xmlns:thm15="http://schemas.microsoft.com/office/thememl/2012/main" name="Gallery" id="{BBFCD31E-59A1-489D-B089-A3EAD7CAE12E}" vid="{F5E91637-A7B6-4E27-B710-77DA7014EE1E}"/>
     </a:ext>
   </a:extLst>
 </a:theme>
